--- a/Figures/Figure1_3_31_2019_YL.pptx
+++ b/Figures/Figure1_3_31_2019_YL.pptx
@@ -6,6 +6,8 @@
   </p:sldMasterIdLst>
   <p:sldIdLst>
     <p:sldId id="259" r:id="rId2"/>
+    <p:sldId id="260" r:id="rId3"/>
+    <p:sldId id="261" r:id="rId4"/>
   </p:sldIdLst>
   <p:sldSz cx="12192000" cy="6858000"/>
   <p:notesSz cx="7010400" cy="9296400"/>
@@ -195,35 +197,35 @@
               <a:buNone/>
               <a:defRPr sz="2400"/>
             </a:lvl1pPr>
-            <a:lvl2pPr marL="457200" indent="0" algn="ctr">
+            <a:lvl2pPr marL="457189" indent="0" algn="ctr">
               <a:buNone/>
               <a:defRPr sz="2000"/>
             </a:lvl2pPr>
-            <a:lvl3pPr marL="914400" indent="0" algn="ctr">
+            <a:lvl3pPr marL="914377" indent="0" algn="ctr">
               <a:buNone/>
               <a:defRPr sz="1800"/>
             </a:lvl3pPr>
-            <a:lvl4pPr marL="1371600" indent="0" algn="ctr">
+            <a:lvl4pPr marL="1371566" indent="0" algn="ctr">
               <a:buNone/>
               <a:defRPr sz="1600"/>
             </a:lvl4pPr>
-            <a:lvl5pPr marL="1828800" indent="0" algn="ctr">
+            <a:lvl5pPr marL="1828754" indent="0" algn="ctr">
               <a:buNone/>
               <a:defRPr sz="1600"/>
             </a:lvl5pPr>
-            <a:lvl6pPr marL="2286000" indent="0" algn="ctr">
+            <a:lvl6pPr marL="2285943" indent="0" algn="ctr">
               <a:buNone/>
               <a:defRPr sz="1600"/>
             </a:lvl6pPr>
-            <a:lvl7pPr marL="2743200" indent="0" algn="ctr">
+            <a:lvl7pPr marL="2743131" indent="0" algn="ctr">
               <a:buNone/>
               <a:defRPr sz="1600"/>
             </a:lvl7pPr>
-            <a:lvl8pPr marL="3200400" indent="0" algn="ctr">
+            <a:lvl8pPr marL="3200320" indent="0" algn="ctr">
               <a:buNone/>
               <a:defRPr sz="1600"/>
             </a:lvl8pPr>
-            <a:lvl9pPr marL="3657600" indent="0" algn="ctr">
+            <a:lvl9pPr marL="3657509" indent="0" algn="ctr">
               <a:buNone/>
               <a:defRPr sz="1600"/>
             </a:lvl9pPr>
@@ -259,7 +261,7 @@
           <a:p>
             <a:fld id="{00C69C10-72A0-4DBC-950B-1125FD0B0E8A}" type="datetimeFigureOut">
               <a:rPr lang="en-US" smtClean="0"/>
-              <a:t>3/31/2019</a:t>
+              <a:t>8/7/20</a:t>
             </a:fld>
             <a:endParaRPr lang="en-US"/>
           </a:p>
@@ -457,7 +459,7 @@
           <a:p>
             <a:fld id="{00C69C10-72A0-4DBC-950B-1125FD0B0E8A}" type="datetimeFigureOut">
               <a:rPr lang="en-US" smtClean="0"/>
-              <a:t>3/31/2019</a:t>
+              <a:t>8/7/20</a:t>
             </a:fld>
             <a:endParaRPr lang="en-US"/>
           </a:p>
@@ -565,7 +567,7 @@
         </p:nvSpPr>
         <p:spPr>
           <a:xfrm>
-            <a:off x="8724900" y="365125"/>
+            <a:off x="8724901" y="365125"/>
             <a:ext cx="2628900" cy="5811838"/>
           </a:xfrm>
         </p:spPr>
@@ -598,7 +600,7 @@
         </p:nvSpPr>
         <p:spPr>
           <a:xfrm>
-            <a:off x="838200" y="365125"/>
+            <a:off x="838201" y="365125"/>
             <a:ext cx="7734300" cy="5811838"/>
           </a:xfrm>
         </p:spPr>
@@ -665,7 +667,7 @@
           <a:p>
             <a:fld id="{00C69C10-72A0-4DBC-950B-1125FD0B0E8A}" type="datetimeFigureOut">
               <a:rPr lang="en-US" smtClean="0"/>
-              <a:t>3/31/2019</a:t>
+              <a:t>8/7/20</a:t>
             </a:fld>
             <a:endParaRPr lang="en-US"/>
           </a:p>
@@ -863,7 +865,7 @@
           <a:p>
             <a:fld id="{00C69C10-72A0-4DBC-950B-1125FD0B0E8A}" type="datetimeFigureOut">
               <a:rPr lang="en-US" smtClean="0"/>
-              <a:t>3/31/2019</a:t>
+              <a:t>8/7/20</a:t>
             </a:fld>
             <a:endParaRPr lang="en-US"/>
           </a:p>
@@ -971,7 +973,7 @@
         </p:nvSpPr>
         <p:spPr>
           <a:xfrm>
-            <a:off x="831850" y="1709738"/>
+            <a:off x="831851" y="1709740"/>
             <a:ext cx="10515600" cy="2852737"/>
           </a:xfrm>
         </p:spPr>
@@ -1008,7 +1010,7 @@
         </p:nvSpPr>
         <p:spPr>
           <a:xfrm>
-            <a:off x="831850" y="4589463"/>
+            <a:off x="831851" y="4589465"/>
             <a:ext cx="10515600" cy="1500187"/>
           </a:xfrm>
         </p:spPr>
@@ -1025,7 +1027,7 @@
                 </a:solidFill>
               </a:defRPr>
             </a:lvl1pPr>
-            <a:lvl2pPr marL="457200" indent="0">
+            <a:lvl2pPr marL="457189" indent="0">
               <a:buNone/>
               <a:defRPr sz="2000">
                 <a:solidFill>
@@ -1035,7 +1037,7 @@
                 </a:solidFill>
               </a:defRPr>
             </a:lvl2pPr>
-            <a:lvl3pPr marL="914400" indent="0">
+            <a:lvl3pPr marL="914377" indent="0">
               <a:buNone/>
               <a:defRPr sz="1800">
                 <a:solidFill>
@@ -1045,7 +1047,7 @@
                 </a:solidFill>
               </a:defRPr>
             </a:lvl3pPr>
-            <a:lvl4pPr marL="1371600" indent="0">
+            <a:lvl4pPr marL="1371566" indent="0">
               <a:buNone/>
               <a:defRPr sz="1600">
                 <a:solidFill>
@@ -1055,7 +1057,7 @@
                 </a:solidFill>
               </a:defRPr>
             </a:lvl4pPr>
-            <a:lvl5pPr marL="1828800" indent="0">
+            <a:lvl5pPr marL="1828754" indent="0">
               <a:buNone/>
               <a:defRPr sz="1600">
                 <a:solidFill>
@@ -1065,7 +1067,7 @@
                 </a:solidFill>
               </a:defRPr>
             </a:lvl5pPr>
-            <a:lvl6pPr marL="2286000" indent="0">
+            <a:lvl6pPr marL="2285943" indent="0">
               <a:buNone/>
               <a:defRPr sz="1600">
                 <a:solidFill>
@@ -1075,7 +1077,7 @@
                 </a:solidFill>
               </a:defRPr>
             </a:lvl6pPr>
-            <a:lvl7pPr marL="2743200" indent="0">
+            <a:lvl7pPr marL="2743131" indent="0">
               <a:buNone/>
               <a:defRPr sz="1600">
                 <a:solidFill>
@@ -1085,7 +1087,7 @@
                 </a:solidFill>
               </a:defRPr>
             </a:lvl7pPr>
-            <a:lvl8pPr marL="3200400" indent="0">
+            <a:lvl8pPr marL="3200320" indent="0">
               <a:buNone/>
               <a:defRPr sz="1600">
                 <a:solidFill>
@@ -1095,7 +1097,7 @@
                 </a:solidFill>
               </a:defRPr>
             </a:lvl8pPr>
-            <a:lvl9pPr marL="3657600" indent="0">
+            <a:lvl9pPr marL="3657509" indent="0">
               <a:buNone/>
               <a:defRPr sz="1600">
                 <a:solidFill>
@@ -1138,7 +1140,7 @@
           <a:p>
             <a:fld id="{00C69C10-72A0-4DBC-950B-1125FD0B0E8A}" type="datetimeFigureOut">
               <a:rPr lang="en-US" smtClean="0"/>
-              <a:t>3/31/2019</a:t>
+              <a:t>8/7/20</a:t>
             </a:fld>
             <a:endParaRPr lang="en-US"/>
           </a:p>
@@ -1403,7 +1405,7 @@
           <a:p>
             <a:fld id="{00C69C10-72A0-4DBC-950B-1125FD0B0E8A}" type="datetimeFigureOut">
               <a:rPr lang="en-US" smtClean="0"/>
-              <a:t>3/31/2019</a:t>
+              <a:t>8/7/20</a:t>
             </a:fld>
             <a:endParaRPr lang="en-US"/>
           </a:p>
@@ -1511,7 +1513,7 @@
         </p:nvSpPr>
         <p:spPr>
           <a:xfrm>
-            <a:off x="839788" y="365125"/>
+            <a:off x="839788" y="365127"/>
             <a:ext cx="10515600" cy="1325563"/>
           </a:xfrm>
         </p:spPr>
@@ -1544,7 +1546,7 @@
         </p:nvSpPr>
         <p:spPr>
           <a:xfrm>
-            <a:off x="839788" y="1681163"/>
+            <a:off x="839789" y="1681163"/>
             <a:ext cx="5157787" cy="823912"/>
           </a:xfrm>
         </p:spPr>
@@ -1555,35 +1557,35 @@
               <a:buNone/>
               <a:defRPr sz="2400" b="1"/>
             </a:lvl1pPr>
-            <a:lvl2pPr marL="457200" indent="0">
+            <a:lvl2pPr marL="457189" indent="0">
               <a:buNone/>
               <a:defRPr sz="2000" b="1"/>
             </a:lvl2pPr>
-            <a:lvl3pPr marL="914400" indent="0">
+            <a:lvl3pPr marL="914377" indent="0">
               <a:buNone/>
               <a:defRPr sz="1800" b="1"/>
             </a:lvl3pPr>
-            <a:lvl4pPr marL="1371600" indent="0">
+            <a:lvl4pPr marL="1371566" indent="0">
               <a:buNone/>
               <a:defRPr sz="1600" b="1"/>
             </a:lvl4pPr>
-            <a:lvl5pPr marL="1828800" indent="0">
+            <a:lvl5pPr marL="1828754" indent="0">
               <a:buNone/>
               <a:defRPr sz="1600" b="1"/>
             </a:lvl5pPr>
-            <a:lvl6pPr marL="2286000" indent="0">
+            <a:lvl6pPr marL="2285943" indent="0">
               <a:buNone/>
               <a:defRPr sz="1600" b="1"/>
             </a:lvl6pPr>
-            <a:lvl7pPr marL="2743200" indent="0">
+            <a:lvl7pPr marL="2743131" indent="0">
               <a:buNone/>
               <a:defRPr sz="1600" b="1"/>
             </a:lvl7pPr>
-            <a:lvl8pPr marL="3200400" indent="0">
+            <a:lvl8pPr marL="3200320" indent="0">
               <a:buNone/>
               <a:defRPr sz="1600" b="1"/>
             </a:lvl8pPr>
-            <a:lvl9pPr marL="3657600" indent="0">
+            <a:lvl9pPr marL="3657509" indent="0">
               <a:buNone/>
               <a:defRPr sz="1600" b="1"/>
             </a:lvl9pPr>
@@ -1615,7 +1617,7 @@
         </p:nvSpPr>
         <p:spPr>
           <a:xfrm>
-            <a:off x="839788" y="2505075"/>
+            <a:off x="839789" y="2505075"/>
             <a:ext cx="5157787" cy="3684588"/>
           </a:xfrm>
         </p:spPr>
@@ -1677,7 +1679,7 @@
         </p:nvSpPr>
         <p:spPr>
           <a:xfrm>
-            <a:off x="6172200" y="1681163"/>
+            <a:off x="6172201" y="1681163"/>
             <a:ext cx="5183188" cy="823912"/>
           </a:xfrm>
         </p:spPr>
@@ -1688,35 +1690,35 @@
               <a:buNone/>
               <a:defRPr sz="2400" b="1"/>
             </a:lvl1pPr>
-            <a:lvl2pPr marL="457200" indent="0">
+            <a:lvl2pPr marL="457189" indent="0">
               <a:buNone/>
               <a:defRPr sz="2000" b="1"/>
             </a:lvl2pPr>
-            <a:lvl3pPr marL="914400" indent="0">
+            <a:lvl3pPr marL="914377" indent="0">
               <a:buNone/>
               <a:defRPr sz="1800" b="1"/>
             </a:lvl3pPr>
-            <a:lvl4pPr marL="1371600" indent="0">
+            <a:lvl4pPr marL="1371566" indent="0">
               <a:buNone/>
               <a:defRPr sz="1600" b="1"/>
             </a:lvl4pPr>
-            <a:lvl5pPr marL="1828800" indent="0">
+            <a:lvl5pPr marL="1828754" indent="0">
               <a:buNone/>
               <a:defRPr sz="1600" b="1"/>
             </a:lvl5pPr>
-            <a:lvl6pPr marL="2286000" indent="0">
+            <a:lvl6pPr marL="2285943" indent="0">
               <a:buNone/>
               <a:defRPr sz="1600" b="1"/>
             </a:lvl6pPr>
-            <a:lvl7pPr marL="2743200" indent="0">
+            <a:lvl7pPr marL="2743131" indent="0">
               <a:buNone/>
               <a:defRPr sz="1600" b="1"/>
             </a:lvl7pPr>
-            <a:lvl8pPr marL="3200400" indent="0">
+            <a:lvl8pPr marL="3200320" indent="0">
               <a:buNone/>
               <a:defRPr sz="1600" b="1"/>
             </a:lvl8pPr>
-            <a:lvl9pPr marL="3657600" indent="0">
+            <a:lvl9pPr marL="3657509" indent="0">
               <a:buNone/>
               <a:defRPr sz="1600" b="1"/>
             </a:lvl9pPr>
@@ -1748,7 +1750,7 @@
         </p:nvSpPr>
         <p:spPr>
           <a:xfrm>
-            <a:off x="6172200" y="2505075"/>
+            <a:off x="6172201" y="2505075"/>
             <a:ext cx="5183188" cy="3684588"/>
           </a:xfrm>
         </p:spPr>
@@ -1815,7 +1817,7 @@
           <a:p>
             <a:fld id="{00C69C10-72A0-4DBC-950B-1125FD0B0E8A}" type="datetimeFigureOut">
               <a:rPr lang="en-US" smtClean="0"/>
-              <a:t>3/31/2019</a:t>
+              <a:t>8/7/20</a:t>
             </a:fld>
             <a:endParaRPr lang="en-US"/>
           </a:p>
@@ -1956,7 +1958,7 @@
           <a:p>
             <a:fld id="{00C69C10-72A0-4DBC-950B-1125FD0B0E8A}" type="datetimeFigureOut">
               <a:rPr lang="en-US" smtClean="0"/>
-              <a:t>3/31/2019</a:t>
+              <a:t>8/7/20</a:t>
             </a:fld>
             <a:endParaRPr lang="en-US"/>
           </a:p>
@@ -2069,7 +2071,7 @@
           <a:p>
             <a:fld id="{00C69C10-72A0-4DBC-950B-1125FD0B0E8A}" type="datetimeFigureOut">
               <a:rPr lang="en-US" smtClean="0"/>
-              <a:t>3/31/2019</a:t>
+              <a:t>8/7/20</a:t>
             </a:fld>
             <a:endParaRPr lang="en-US"/>
           </a:p>
@@ -2214,7 +2216,7 @@
         </p:nvSpPr>
         <p:spPr>
           <a:xfrm>
-            <a:off x="5183188" y="987425"/>
+            <a:off x="5183188" y="987427"/>
             <a:ext cx="6172200" cy="4873625"/>
           </a:xfrm>
         </p:spPr>
@@ -2315,35 +2317,35 @@
               <a:buNone/>
               <a:defRPr sz="1600"/>
             </a:lvl1pPr>
-            <a:lvl2pPr marL="457200" indent="0">
+            <a:lvl2pPr marL="457189" indent="0">
               <a:buNone/>
               <a:defRPr sz="1400"/>
             </a:lvl2pPr>
-            <a:lvl3pPr marL="914400" indent="0">
+            <a:lvl3pPr marL="914377" indent="0">
               <a:buNone/>
               <a:defRPr sz="1200"/>
             </a:lvl3pPr>
-            <a:lvl4pPr marL="1371600" indent="0">
+            <a:lvl4pPr marL="1371566" indent="0">
               <a:buNone/>
               <a:defRPr sz="1000"/>
             </a:lvl4pPr>
-            <a:lvl5pPr marL="1828800" indent="0">
+            <a:lvl5pPr marL="1828754" indent="0">
               <a:buNone/>
               <a:defRPr sz="1000"/>
             </a:lvl5pPr>
-            <a:lvl6pPr marL="2286000" indent="0">
+            <a:lvl6pPr marL="2285943" indent="0">
               <a:buNone/>
               <a:defRPr sz="1000"/>
             </a:lvl6pPr>
-            <a:lvl7pPr marL="2743200" indent="0">
+            <a:lvl7pPr marL="2743131" indent="0">
               <a:buNone/>
               <a:defRPr sz="1000"/>
             </a:lvl7pPr>
-            <a:lvl8pPr marL="3200400" indent="0">
+            <a:lvl8pPr marL="3200320" indent="0">
               <a:buNone/>
               <a:defRPr sz="1000"/>
             </a:lvl8pPr>
-            <a:lvl9pPr marL="3657600" indent="0">
+            <a:lvl9pPr marL="3657509" indent="0">
               <a:buNone/>
               <a:defRPr sz="1000"/>
             </a:lvl9pPr>
@@ -2380,7 +2382,7 @@
           <a:p>
             <a:fld id="{00C69C10-72A0-4DBC-950B-1125FD0B0E8A}" type="datetimeFigureOut">
               <a:rPr lang="en-US" smtClean="0"/>
-              <a:t>3/31/2019</a:t>
+              <a:t>8/7/20</a:t>
             </a:fld>
             <a:endParaRPr lang="en-US"/>
           </a:p>
@@ -2525,7 +2527,7 @@
         </p:nvSpPr>
         <p:spPr>
           <a:xfrm>
-            <a:off x="5183188" y="987425"/>
+            <a:off x="5183188" y="987427"/>
             <a:ext cx="6172200" cy="4873625"/>
           </a:xfrm>
         </p:spPr>
@@ -2536,35 +2538,35 @@
               <a:buNone/>
               <a:defRPr sz="3200"/>
             </a:lvl1pPr>
-            <a:lvl2pPr marL="457200" indent="0">
+            <a:lvl2pPr marL="457189" indent="0">
               <a:buNone/>
               <a:defRPr sz="2800"/>
             </a:lvl2pPr>
-            <a:lvl3pPr marL="914400" indent="0">
+            <a:lvl3pPr marL="914377" indent="0">
               <a:buNone/>
               <a:defRPr sz="2400"/>
             </a:lvl3pPr>
-            <a:lvl4pPr marL="1371600" indent="0">
+            <a:lvl4pPr marL="1371566" indent="0">
               <a:buNone/>
               <a:defRPr sz="2000"/>
             </a:lvl4pPr>
-            <a:lvl5pPr marL="1828800" indent="0">
+            <a:lvl5pPr marL="1828754" indent="0">
               <a:buNone/>
               <a:defRPr sz="2000"/>
             </a:lvl5pPr>
-            <a:lvl6pPr marL="2286000" indent="0">
+            <a:lvl6pPr marL="2285943" indent="0">
               <a:buNone/>
               <a:defRPr sz="2000"/>
             </a:lvl6pPr>
-            <a:lvl7pPr marL="2743200" indent="0">
+            <a:lvl7pPr marL="2743131" indent="0">
               <a:buNone/>
               <a:defRPr sz="2000"/>
             </a:lvl7pPr>
-            <a:lvl8pPr marL="3200400" indent="0">
+            <a:lvl8pPr marL="3200320" indent="0">
               <a:buNone/>
               <a:defRPr sz="2000"/>
             </a:lvl8pPr>
-            <a:lvl9pPr marL="3657600" indent="0">
+            <a:lvl9pPr marL="3657509" indent="0">
               <a:buNone/>
               <a:defRPr sz="2000"/>
             </a:lvl9pPr>
@@ -2603,35 +2605,35 @@
               <a:buNone/>
               <a:defRPr sz="1600"/>
             </a:lvl1pPr>
-            <a:lvl2pPr marL="457200" indent="0">
+            <a:lvl2pPr marL="457189" indent="0">
               <a:buNone/>
               <a:defRPr sz="1400"/>
             </a:lvl2pPr>
-            <a:lvl3pPr marL="914400" indent="0">
+            <a:lvl3pPr marL="914377" indent="0">
               <a:buNone/>
               <a:defRPr sz="1200"/>
             </a:lvl3pPr>
-            <a:lvl4pPr marL="1371600" indent="0">
+            <a:lvl4pPr marL="1371566" indent="0">
               <a:buNone/>
               <a:defRPr sz="1000"/>
             </a:lvl4pPr>
-            <a:lvl5pPr marL="1828800" indent="0">
+            <a:lvl5pPr marL="1828754" indent="0">
               <a:buNone/>
               <a:defRPr sz="1000"/>
             </a:lvl5pPr>
-            <a:lvl6pPr marL="2286000" indent="0">
+            <a:lvl6pPr marL="2285943" indent="0">
               <a:buNone/>
               <a:defRPr sz="1000"/>
             </a:lvl6pPr>
-            <a:lvl7pPr marL="2743200" indent="0">
+            <a:lvl7pPr marL="2743131" indent="0">
               <a:buNone/>
               <a:defRPr sz="1000"/>
             </a:lvl7pPr>
-            <a:lvl8pPr marL="3200400" indent="0">
+            <a:lvl8pPr marL="3200320" indent="0">
               <a:buNone/>
               <a:defRPr sz="1000"/>
             </a:lvl8pPr>
-            <a:lvl9pPr marL="3657600" indent="0">
+            <a:lvl9pPr marL="3657509" indent="0">
               <a:buNone/>
               <a:defRPr sz="1000"/>
             </a:lvl9pPr>
@@ -2668,7 +2670,7 @@
           <a:p>
             <a:fld id="{00C69C10-72A0-4DBC-950B-1125FD0B0E8A}" type="datetimeFigureOut">
               <a:rPr lang="en-US" smtClean="0"/>
-              <a:t>3/31/2019</a:t>
+              <a:t>8/7/20</a:t>
             </a:fld>
             <a:endParaRPr lang="en-US"/>
           </a:p>
@@ -2781,7 +2783,7 @@
         </p:nvSpPr>
         <p:spPr>
           <a:xfrm>
-            <a:off x="838200" y="365125"/>
+            <a:off x="838200" y="365127"/>
             <a:ext cx="10515600" cy="1325563"/>
           </a:xfrm>
           <a:prstGeom prst="rect">
@@ -2886,7 +2888,7 @@
         </p:nvSpPr>
         <p:spPr>
           <a:xfrm>
-            <a:off x="838200" y="6356350"/>
+            <a:off x="838200" y="6356352"/>
             <a:ext cx="2743200" cy="365125"/>
           </a:xfrm>
           <a:prstGeom prst="rect">
@@ -2909,7 +2911,7 @@
           <a:p>
             <a:fld id="{00C69C10-72A0-4DBC-950B-1125FD0B0E8A}" type="datetimeFigureOut">
               <a:rPr lang="en-US" smtClean="0"/>
-              <a:t>3/31/2019</a:t>
+              <a:t>8/7/20</a:t>
             </a:fld>
             <a:endParaRPr lang="en-US"/>
           </a:p>
@@ -2933,7 +2935,7 @@
         </p:nvSpPr>
         <p:spPr>
           <a:xfrm>
-            <a:off x="4038600" y="6356350"/>
+            <a:off x="4038600" y="6356352"/>
             <a:ext cx="4114800" cy="365125"/>
           </a:xfrm>
           <a:prstGeom prst="rect">
@@ -2976,7 +2978,7 @@
         </p:nvSpPr>
         <p:spPr>
           <a:xfrm>
-            <a:off x="8610600" y="6356350"/>
+            <a:off x="8610600" y="6356352"/>
             <a:ext cx="2743200" cy="365125"/>
           </a:xfrm>
           <a:prstGeom prst="rect">
@@ -3028,7 +3030,7 @@
   </p:sldLayoutIdLst>
   <p:txStyles>
     <p:titleStyle>
-      <a:lvl1pPr algn="l" defTabSz="914400" rtl="0" eaLnBrk="1" latinLnBrk="0" hangingPunct="1">
+      <a:lvl1pPr algn="l" defTabSz="914377" rtl="0" eaLnBrk="1" latinLnBrk="0" hangingPunct="1">
         <a:lnSpc>
           <a:spcPct val="90000"/>
         </a:lnSpc>
@@ -3047,7 +3049,7 @@
       </a:lvl1pPr>
     </p:titleStyle>
     <p:bodyStyle>
-      <a:lvl1pPr marL="228600" indent="-228600" algn="l" defTabSz="914400" rtl="0" eaLnBrk="1" latinLnBrk="0" hangingPunct="1">
+      <a:lvl1pPr marL="228594" indent="-228594" algn="l" defTabSz="914377" rtl="0" eaLnBrk="1" latinLnBrk="0" hangingPunct="1">
         <a:lnSpc>
           <a:spcPct val="90000"/>
         </a:lnSpc>
@@ -3065,7 +3067,7 @@
           <a:cs typeface="+mn-cs"/>
         </a:defRPr>
       </a:lvl1pPr>
-      <a:lvl2pPr marL="685800" indent="-228600" algn="l" defTabSz="914400" rtl="0" eaLnBrk="1" latinLnBrk="0" hangingPunct="1">
+      <a:lvl2pPr marL="685783" indent="-228594" algn="l" defTabSz="914377" rtl="0" eaLnBrk="1" latinLnBrk="0" hangingPunct="1">
         <a:lnSpc>
           <a:spcPct val="90000"/>
         </a:lnSpc>
@@ -3083,7 +3085,7 @@
           <a:cs typeface="+mn-cs"/>
         </a:defRPr>
       </a:lvl2pPr>
-      <a:lvl3pPr marL="1143000" indent="-228600" algn="l" defTabSz="914400" rtl="0" eaLnBrk="1" latinLnBrk="0" hangingPunct="1">
+      <a:lvl3pPr marL="1142971" indent="-228594" algn="l" defTabSz="914377" rtl="0" eaLnBrk="1" latinLnBrk="0" hangingPunct="1">
         <a:lnSpc>
           <a:spcPct val="90000"/>
         </a:lnSpc>
@@ -3101,7 +3103,7 @@
           <a:cs typeface="+mn-cs"/>
         </a:defRPr>
       </a:lvl3pPr>
-      <a:lvl4pPr marL="1600200" indent="-228600" algn="l" defTabSz="914400" rtl="0" eaLnBrk="1" latinLnBrk="0" hangingPunct="1">
+      <a:lvl4pPr marL="1600160" indent="-228594" algn="l" defTabSz="914377" rtl="0" eaLnBrk="1" latinLnBrk="0" hangingPunct="1">
         <a:lnSpc>
           <a:spcPct val="90000"/>
         </a:lnSpc>
@@ -3119,7 +3121,7 @@
           <a:cs typeface="+mn-cs"/>
         </a:defRPr>
       </a:lvl4pPr>
-      <a:lvl5pPr marL="2057400" indent="-228600" algn="l" defTabSz="914400" rtl="0" eaLnBrk="1" latinLnBrk="0" hangingPunct="1">
+      <a:lvl5pPr marL="2057349" indent="-228594" algn="l" defTabSz="914377" rtl="0" eaLnBrk="1" latinLnBrk="0" hangingPunct="1">
         <a:lnSpc>
           <a:spcPct val="90000"/>
         </a:lnSpc>
@@ -3137,7 +3139,7 @@
           <a:cs typeface="+mn-cs"/>
         </a:defRPr>
       </a:lvl5pPr>
-      <a:lvl6pPr marL="2514600" indent="-228600" algn="l" defTabSz="914400" rtl="0" eaLnBrk="1" latinLnBrk="0" hangingPunct="1">
+      <a:lvl6pPr marL="2514537" indent="-228594" algn="l" defTabSz="914377" rtl="0" eaLnBrk="1" latinLnBrk="0" hangingPunct="1">
         <a:lnSpc>
           <a:spcPct val="90000"/>
         </a:lnSpc>
@@ -3155,7 +3157,7 @@
           <a:cs typeface="+mn-cs"/>
         </a:defRPr>
       </a:lvl6pPr>
-      <a:lvl7pPr marL="2971800" indent="-228600" algn="l" defTabSz="914400" rtl="0" eaLnBrk="1" latinLnBrk="0" hangingPunct="1">
+      <a:lvl7pPr marL="2971726" indent="-228594" algn="l" defTabSz="914377" rtl="0" eaLnBrk="1" latinLnBrk="0" hangingPunct="1">
         <a:lnSpc>
           <a:spcPct val="90000"/>
         </a:lnSpc>
@@ -3173,7 +3175,7 @@
           <a:cs typeface="+mn-cs"/>
         </a:defRPr>
       </a:lvl7pPr>
-      <a:lvl8pPr marL="3429000" indent="-228600" algn="l" defTabSz="914400" rtl="0" eaLnBrk="1" latinLnBrk="0" hangingPunct="1">
+      <a:lvl8pPr marL="3428914" indent="-228594" algn="l" defTabSz="914377" rtl="0" eaLnBrk="1" latinLnBrk="0" hangingPunct="1">
         <a:lnSpc>
           <a:spcPct val="90000"/>
         </a:lnSpc>
@@ -3191,7 +3193,7 @@
           <a:cs typeface="+mn-cs"/>
         </a:defRPr>
       </a:lvl8pPr>
-      <a:lvl9pPr marL="3886200" indent="-228600" algn="l" defTabSz="914400" rtl="0" eaLnBrk="1" latinLnBrk="0" hangingPunct="1">
+      <a:lvl9pPr marL="3886103" indent="-228594" algn="l" defTabSz="914377" rtl="0" eaLnBrk="1" latinLnBrk="0" hangingPunct="1">
         <a:lnSpc>
           <a:spcPct val="90000"/>
         </a:lnSpc>
@@ -3214,7 +3216,7 @@
       <a:defPPr>
         <a:defRPr lang="en-US"/>
       </a:defPPr>
-      <a:lvl1pPr marL="0" algn="l" defTabSz="914400" rtl="0" eaLnBrk="1" latinLnBrk="0" hangingPunct="1">
+      <a:lvl1pPr marL="0" algn="l" defTabSz="914377" rtl="0" eaLnBrk="1" latinLnBrk="0" hangingPunct="1">
         <a:defRPr sz="1800" kern="1200">
           <a:solidFill>
             <a:schemeClr val="tx1"/>
@@ -3224,7 +3226,7 @@
           <a:cs typeface="+mn-cs"/>
         </a:defRPr>
       </a:lvl1pPr>
-      <a:lvl2pPr marL="457200" algn="l" defTabSz="914400" rtl="0" eaLnBrk="1" latinLnBrk="0" hangingPunct="1">
+      <a:lvl2pPr marL="457189" algn="l" defTabSz="914377" rtl="0" eaLnBrk="1" latinLnBrk="0" hangingPunct="1">
         <a:defRPr sz="1800" kern="1200">
           <a:solidFill>
             <a:schemeClr val="tx1"/>
@@ -3234,7 +3236,7 @@
           <a:cs typeface="+mn-cs"/>
         </a:defRPr>
       </a:lvl2pPr>
-      <a:lvl3pPr marL="914400" algn="l" defTabSz="914400" rtl="0" eaLnBrk="1" latinLnBrk="0" hangingPunct="1">
+      <a:lvl3pPr marL="914377" algn="l" defTabSz="914377" rtl="0" eaLnBrk="1" latinLnBrk="0" hangingPunct="1">
         <a:defRPr sz="1800" kern="1200">
           <a:solidFill>
             <a:schemeClr val="tx1"/>
@@ -3244,7 +3246,7 @@
           <a:cs typeface="+mn-cs"/>
         </a:defRPr>
       </a:lvl3pPr>
-      <a:lvl4pPr marL="1371600" algn="l" defTabSz="914400" rtl="0" eaLnBrk="1" latinLnBrk="0" hangingPunct="1">
+      <a:lvl4pPr marL="1371566" algn="l" defTabSz="914377" rtl="0" eaLnBrk="1" latinLnBrk="0" hangingPunct="1">
         <a:defRPr sz="1800" kern="1200">
           <a:solidFill>
             <a:schemeClr val="tx1"/>
@@ -3254,7 +3256,7 @@
           <a:cs typeface="+mn-cs"/>
         </a:defRPr>
       </a:lvl4pPr>
-      <a:lvl5pPr marL="1828800" algn="l" defTabSz="914400" rtl="0" eaLnBrk="1" latinLnBrk="0" hangingPunct="1">
+      <a:lvl5pPr marL="1828754" algn="l" defTabSz="914377" rtl="0" eaLnBrk="1" latinLnBrk="0" hangingPunct="1">
         <a:defRPr sz="1800" kern="1200">
           <a:solidFill>
             <a:schemeClr val="tx1"/>
@@ -3264,7 +3266,7 @@
           <a:cs typeface="+mn-cs"/>
         </a:defRPr>
       </a:lvl5pPr>
-      <a:lvl6pPr marL="2286000" algn="l" defTabSz="914400" rtl="0" eaLnBrk="1" latinLnBrk="0" hangingPunct="1">
+      <a:lvl6pPr marL="2285943" algn="l" defTabSz="914377" rtl="0" eaLnBrk="1" latinLnBrk="0" hangingPunct="1">
         <a:defRPr sz="1800" kern="1200">
           <a:solidFill>
             <a:schemeClr val="tx1"/>
@@ -3274,7 +3276,7 @@
           <a:cs typeface="+mn-cs"/>
         </a:defRPr>
       </a:lvl6pPr>
-      <a:lvl7pPr marL="2743200" algn="l" defTabSz="914400" rtl="0" eaLnBrk="1" latinLnBrk="0" hangingPunct="1">
+      <a:lvl7pPr marL="2743131" algn="l" defTabSz="914377" rtl="0" eaLnBrk="1" latinLnBrk="0" hangingPunct="1">
         <a:defRPr sz="1800" kern="1200">
           <a:solidFill>
             <a:schemeClr val="tx1"/>
@@ -3284,7 +3286,7 @@
           <a:cs typeface="+mn-cs"/>
         </a:defRPr>
       </a:lvl7pPr>
-      <a:lvl8pPr marL="3200400" algn="l" defTabSz="914400" rtl="0" eaLnBrk="1" latinLnBrk="0" hangingPunct="1">
+      <a:lvl8pPr marL="3200320" algn="l" defTabSz="914377" rtl="0" eaLnBrk="1" latinLnBrk="0" hangingPunct="1">
         <a:defRPr sz="1800" kern="1200">
           <a:solidFill>
             <a:schemeClr val="tx1"/>
@@ -3294,7 +3296,7 @@
           <a:cs typeface="+mn-cs"/>
         </a:defRPr>
       </a:lvl8pPr>
-      <a:lvl9pPr marL="3657600" algn="l" defTabSz="914400" rtl="0" eaLnBrk="1" latinLnBrk="0" hangingPunct="1">
+      <a:lvl9pPr marL="3657509" algn="l" defTabSz="914377" rtl="0" eaLnBrk="1" latinLnBrk="0" hangingPunct="1">
         <a:defRPr sz="1800" kern="1200">
           <a:solidFill>
             <a:schemeClr val="tx1"/>
@@ -3340,8 +3342,8 @@
         </p:nvSpPr>
         <p:spPr>
           <a:xfrm>
-            <a:off x="4131490" y="689293"/>
-            <a:ext cx="3276600" cy="646331"/>
+            <a:off x="425529" y="1052865"/>
+            <a:ext cx="4073728" cy="646331"/>
           </a:xfrm>
           <a:prstGeom prst="rect">
             <a:avLst/>
@@ -3359,15 +3361,17 @@
           </a:bodyPr>
           <a:lstStyle/>
           <a:p>
+            <a:pPr algn="ctr"/>
             <a:r>
               <a:rPr lang="en-US" dirty="0"/>
               <a:t>Arabidopsis RNA-seq Expression </a:t>
             </a:r>
           </a:p>
           <a:p>
+            <a:pPr algn="ctr"/>
             <a:r>
               <a:rPr lang="en-US" dirty="0"/>
-              <a:t>Database (Araport11, 33602)</a:t>
+              <a:t>Database (Araport11, total genes=33602)</a:t>
             </a:r>
           </a:p>
         </p:txBody>
@@ -3386,8 +3390,8 @@
         </p:nvSpPr>
         <p:spPr>
           <a:xfrm>
-            <a:off x="2435691" y="10700"/>
-            <a:ext cx="1905000" cy="369332"/>
+            <a:off x="1267972" y="145819"/>
+            <a:ext cx="2388843" cy="369332"/>
           </a:xfrm>
           <a:prstGeom prst="rect">
             <a:avLst/>
@@ -3405,19 +3409,20 @@
           </a:bodyPr>
           <a:lstStyle/>
           <a:p>
+            <a:pPr algn="ctr"/>
             <a:r>
               <a:rPr lang="en-US" dirty="0"/>
-              <a:t>HRGP genes (166)</a:t>
-            </a:r>
-          </a:p>
-        </p:txBody>
-      </p:sp>
-      <p:sp>
-        <p:nvSpPr>
-          <p:cNvPr id="5" name="TextBox 4">
-            <a:extLst>
-              <a:ext uri="{FF2B5EF4-FFF2-40B4-BE49-F238E27FC236}">
-                <a16:creationId xmlns:a16="http://schemas.microsoft.com/office/drawing/2014/main" id="{A09CD757-649D-4FAD-9C66-7AAB12E0D90F}"/>
+              <a:t>HRGP genes (n=166)</a:t>
+            </a:r>
+          </a:p>
+        </p:txBody>
+      </p:sp>
+      <p:sp>
+        <p:nvSpPr>
+          <p:cNvPr id="7" name="TextBox 6">
+            <a:extLst>
+              <a:ext uri="{FF2B5EF4-FFF2-40B4-BE49-F238E27FC236}">
+                <a16:creationId xmlns:a16="http://schemas.microsoft.com/office/drawing/2014/main" id="{5D2F9D8D-880A-4542-A934-AC85B3818EF8}"/>
               </a:ext>
             </a:extLst>
           </p:cNvPr>
@@ -3426,47 +3431,7 @@
         </p:nvSpPr>
         <p:spPr>
           <a:xfrm>
-            <a:off x="6588591" y="1679853"/>
-            <a:ext cx="2762250" cy="646331"/>
-          </a:xfrm>
-          <a:prstGeom prst="rect">
-            <a:avLst/>
-          </a:prstGeom>
-          <a:noFill/>
-          <a:ln>
-            <a:solidFill>
-              <a:srgbClr val="FFFF00"/>
-            </a:solidFill>
-          </a:ln>
-        </p:spPr>
-        <p:txBody>
-          <a:bodyPr wrap="square" rtlCol="0">
-            <a:spAutoFit/>
-          </a:bodyPr>
-          <a:lstStyle/>
-          <a:p>
-            <a:r>
-              <a:rPr lang="en-US" dirty="0"/>
-              <a:t>Pollen-expressed TFs/TFBSs (99)</a:t>
-            </a:r>
-          </a:p>
-        </p:txBody>
-      </p:sp>
-      <p:sp>
-        <p:nvSpPr>
-          <p:cNvPr id="7" name="TextBox 6">
-            <a:extLst>
-              <a:ext uri="{FF2B5EF4-FFF2-40B4-BE49-F238E27FC236}">
-                <a16:creationId xmlns:a16="http://schemas.microsoft.com/office/drawing/2014/main" id="{5D2F9D8D-880A-4542-A934-AC85B3818EF8}"/>
-              </a:ext>
-            </a:extLst>
-          </p:cNvPr>
-          <p:cNvSpPr txBox="1"/>
-          <p:nvPr/>
-        </p:nvSpPr>
-        <p:spPr>
-          <a:xfrm>
-            <a:off x="1683216" y="1679854"/>
+            <a:off x="283259" y="2366461"/>
             <a:ext cx="1905000" cy="646331"/>
           </a:xfrm>
           <a:prstGeom prst="rect">
@@ -3485,9 +3450,10 @@
           </a:bodyPr>
           <a:lstStyle/>
           <a:p>
+            <a:pPr algn="ctr"/>
             <a:r>
               <a:rPr lang="en-US" dirty="0"/>
-              <a:t>Pollen-specific HRGPs (13)</a:t>
+              <a:t>Pollen-specific HRGPs (n=13)</a:t>
             </a:r>
           </a:p>
         </p:txBody>
@@ -3506,8 +3472,8 @@
         </p:nvSpPr>
         <p:spPr>
           <a:xfrm>
-            <a:off x="2730966" y="2689504"/>
-            <a:ext cx="2152650" cy="923330"/>
+            <a:off x="854791" y="3521933"/>
+            <a:ext cx="3303207" cy="646331"/>
           </a:xfrm>
           <a:prstGeom prst="rect">
             <a:avLst/>
@@ -3525,6 +3491,7 @@
           </a:bodyPr>
           <a:lstStyle/>
           <a:p>
+            <a:pPr algn="ctr"/>
             <a:r>
               <a:rPr lang="en-US" dirty="0"/>
               <a:t>Ensemble motif discovery </a:t>
@@ -3534,7 +3501,15 @@
             </a:br>
             <a:r>
               <a:rPr lang="en-US" dirty="0"/>
-              <a:t>(result: 3519 motifs)</a:t>
+              <a:t>(</a:t>
+            </a:r>
+            <a:r>
+              <a:rPr lang="en-US" dirty="0" err="1"/>
+              <a:t>Emotif</a:t>
+            </a:r>
+            <a:r>
+              <a:rPr lang="en-US" dirty="0"/>
+              <a:t>-Alpha, 3519 motifs)</a:t>
             </a:r>
           </a:p>
         </p:txBody>
@@ -3553,7 +3528,7 @@
         </p:nvSpPr>
         <p:spPr>
           <a:xfrm>
-            <a:off x="3921591" y="1679854"/>
+            <a:off x="2784275" y="2360229"/>
             <a:ext cx="1905000" cy="646331"/>
           </a:xfrm>
           <a:prstGeom prst="rect">
@@ -3572,19 +3547,20 @@
           </a:bodyPr>
           <a:lstStyle/>
           <a:p>
+            <a:pPr algn="ctr"/>
             <a:r>
               <a:rPr lang="en-US" dirty="0"/>
-              <a:t>Non-Pollen HRGPs (132)</a:t>
-            </a:r>
-          </a:p>
-        </p:txBody>
-      </p:sp>
-      <p:sp>
-        <p:nvSpPr>
-          <p:cNvPr id="10" name="TextBox 9">
-            <a:extLst>
-              <a:ext uri="{FF2B5EF4-FFF2-40B4-BE49-F238E27FC236}">
-                <a16:creationId xmlns:a16="http://schemas.microsoft.com/office/drawing/2014/main" id="{4EF81C9C-D806-4F4F-832B-2CFAA31D6380}"/>
+              <a:t>Non-Pollen HRGPs (n=132)</a:t>
+            </a:r>
+          </a:p>
+        </p:txBody>
+      </p:sp>
+      <p:sp>
+        <p:nvSpPr>
+          <p:cNvPr id="12" name="TextBox 11">
+            <a:extLst>
+              <a:ext uri="{FF2B5EF4-FFF2-40B4-BE49-F238E27FC236}">
+                <a16:creationId xmlns:a16="http://schemas.microsoft.com/office/drawing/2014/main" id="{3771E2A7-2203-4E54-AD75-B8431AF7E5C3}"/>
               </a:ext>
             </a:extLst>
           </p:cNvPr>
@@ -3593,8 +3569,8 @@
         </p:nvSpPr>
         <p:spPr>
           <a:xfrm>
-            <a:off x="6769566" y="2813471"/>
-            <a:ext cx="2400300" cy="646331"/>
+            <a:off x="8547060" y="4446653"/>
+            <a:ext cx="2844085" cy="923330"/>
           </a:xfrm>
           <a:prstGeom prst="rect">
             <a:avLst/>
@@ -3602,7 +3578,9 @@
           <a:noFill/>
           <a:ln>
             <a:solidFill>
-              <a:srgbClr val="FFFF00"/>
+              <a:schemeClr val="accent6">
+                <a:lumMod val="75000"/>
+              </a:schemeClr>
             </a:solidFill>
           </a:ln>
         </p:spPr>
@@ -3614,17 +3592,17 @@
           <a:p>
             <a:r>
               <a:rPr lang="en-US" dirty="0"/>
-              <a:t>Matched putative promoter motifs (1341)</a:t>
-            </a:r>
-          </a:p>
-        </p:txBody>
-      </p:sp>
-      <p:sp>
-        <p:nvSpPr>
-          <p:cNvPr id="11" name="TextBox 10">
-            <a:extLst>
-              <a:ext uri="{FF2B5EF4-FFF2-40B4-BE49-F238E27FC236}">
-                <a16:creationId xmlns:a16="http://schemas.microsoft.com/office/drawing/2014/main" id="{C4AEB217-86AA-4A4F-8C46-97841B023EE2}"/>
+              <a:t>Select motifs present in &gt; 9 pollen-specific genes and in &lt; 20 non-pollen genes (n=6)</a:t>
+            </a:r>
+          </a:p>
+        </p:txBody>
+      </p:sp>
+      <p:sp>
+        <p:nvSpPr>
+          <p:cNvPr id="15" name="TextBox 14">
+            <a:extLst>
+              <a:ext uri="{FF2B5EF4-FFF2-40B4-BE49-F238E27FC236}">
+                <a16:creationId xmlns:a16="http://schemas.microsoft.com/office/drawing/2014/main" id="{499E23D8-3601-4926-87B7-E350A08480C1}"/>
               </a:ext>
             </a:extLst>
           </p:cNvPr>
@@ -3633,8 +3611,8 @@
         </p:nvSpPr>
         <p:spPr>
           <a:xfrm>
-            <a:off x="6598116" y="3765971"/>
-            <a:ext cx="2762250" cy="369332"/>
+            <a:off x="5263380" y="2461600"/>
+            <a:ext cx="2488197" cy="1200329"/>
           </a:xfrm>
           <a:prstGeom prst="rect">
             <a:avLst/>
@@ -3642,7 +3620,7 @@
           <a:noFill/>
           <a:ln>
             <a:solidFill>
-              <a:srgbClr val="FFFF00"/>
+              <a:srgbClr val="C00000"/>
             </a:solidFill>
           </a:ln>
         </p:spPr>
@@ -3652,19 +3630,66 @@
           </a:bodyPr>
           <a:lstStyle/>
           <a:p>
+            <a:pPr algn="ctr"/>
             <a:r>
               <a:rPr lang="en-US" dirty="0"/>
-              <a:t>Conservation Analysis (875)</a:t>
-            </a:r>
-          </a:p>
-        </p:txBody>
-      </p:sp>
-      <p:sp>
-        <p:nvSpPr>
-          <p:cNvPr id="12" name="TextBox 11">
-            <a:extLst>
-              <a:ext uri="{FF2B5EF4-FFF2-40B4-BE49-F238E27FC236}">
-                <a16:creationId xmlns:a16="http://schemas.microsoft.com/office/drawing/2014/main" id="{3771E2A7-2203-4E54-AD75-B8431AF7E5C3}"/>
+              <a:t>Select motifs present in &gt; 10 pollen-specific genes and &lt; 30 non-pollen genes (n=13)</a:t>
+            </a:r>
+          </a:p>
+        </p:txBody>
+      </p:sp>
+      <p:cxnSp>
+        <p:nvCxnSpPr>
+          <p:cNvPr id="17" name="Straight Arrow Connector 16">
+            <a:extLst>
+              <a:ext uri="{FF2B5EF4-FFF2-40B4-BE49-F238E27FC236}">
+                <a16:creationId xmlns:a16="http://schemas.microsoft.com/office/drawing/2014/main" id="{20D46940-055B-468F-907C-C8FFD81B459D}"/>
+              </a:ext>
+            </a:extLst>
+          </p:cNvPr>
+          <p:cNvCxnSpPr>
+            <a:cxnSpLocks/>
+            <a:stCxn id="3" idx="2"/>
+            <a:endCxn id="2" idx="0"/>
+          </p:cNvCxnSpPr>
+          <p:nvPr/>
+        </p:nvCxnSpPr>
+        <p:spPr>
+          <a:xfrm flipH="1">
+            <a:off x="2462393" y="515151"/>
+            <a:ext cx="1" cy="537714"/>
+          </a:xfrm>
+          <a:prstGeom prst="straightConnector1">
+            <a:avLst/>
+          </a:prstGeom>
+          <a:ln w="12700">
+            <a:solidFill>
+              <a:schemeClr val="tx1"/>
+            </a:solidFill>
+            <a:tailEnd type="triangle"/>
+          </a:ln>
+        </p:spPr>
+        <p:style>
+          <a:lnRef idx="1">
+            <a:schemeClr val="dk1"/>
+          </a:lnRef>
+          <a:fillRef idx="0">
+            <a:schemeClr val="dk1"/>
+          </a:fillRef>
+          <a:effectRef idx="0">
+            <a:schemeClr val="dk1"/>
+          </a:effectRef>
+          <a:fontRef idx="minor">
+            <a:schemeClr val="tx1"/>
+          </a:fontRef>
+        </p:style>
+      </p:cxnSp>
+      <p:sp>
+        <p:nvSpPr>
+          <p:cNvPr id="83" name="TextBox 82">
+            <a:extLst>
+              <a:ext uri="{FF2B5EF4-FFF2-40B4-BE49-F238E27FC236}">
+                <a16:creationId xmlns:a16="http://schemas.microsoft.com/office/drawing/2014/main" id="{0C02FF54-CF8B-49C0-927C-C9E09A8AC405}"/>
               </a:ext>
             </a:extLst>
           </p:cNvPr>
@@ -3673,8 +3698,8 @@
         </p:nvSpPr>
         <p:spPr>
           <a:xfrm>
-            <a:off x="5769790" y="4447844"/>
-            <a:ext cx="4418901" cy="646331"/>
+            <a:off x="5332379" y="4656327"/>
+            <a:ext cx="2344408" cy="923330"/>
           </a:xfrm>
           <a:prstGeom prst="rect">
             <a:avLst/>
@@ -3682,7 +3707,7 @@
           <a:noFill/>
           <a:ln>
             <a:solidFill>
-              <a:srgbClr val="FFFF00"/>
+              <a:srgbClr val="C00000"/>
             </a:solidFill>
           </a:ln>
         </p:spPr>
@@ -3692,130 +3717,62 @@
           </a:bodyPr>
           <a:lstStyle/>
           <a:p>
+            <a:pPr algn="ctr"/>
             <a:r>
               <a:rPr lang="en-US" dirty="0"/>
-              <a:t>Select motifs present in &gt; 9 pollen-specific genes and in &lt; 20 non-pollen genes (6)</a:t>
-            </a:r>
-          </a:p>
-        </p:txBody>
-      </p:sp>
-      <p:sp>
-        <p:nvSpPr>
-          <p:cNvPr id="13" name="TextBox 12">
-            <a:extLst>
-              <a:ext uri="{FF2B5EF4-FFF2-40B4-BE49-F238E27FC236}">
-                <a16:creationId xmlns:a16="http://schemas.microsoft.com/office/drawing/2014/main" id="{9DFF4E71-1617-41AD-BAED-6BF71D17095D}"/>
-              </a:ext>
-            </a:extLst>
-          </p:cNvPr>
-          <p:cNvSpPr txBox="1"/>
-          <p:nvPr/>
-        </p:nvSpPr>
-        <p:spPr>
-          <a:xfrm>
-            <a:off x="6515797" y="5516597"/>
-            <a:ext cx="2926885" cy="369332"/>
-          </a:xfrm>
-          <a:prstGeom prst="rect">
-            <a:avLst/>
-          </a:prstGeom>
-          <a:noFill/>
-          <a:ln>
-            <a:solidFill>
-              <a:srgbClr val="FFFF00"/>
-            </a:solidFill>
-          </a:ln>
-        </p:spPr>
-        <p:txBody>
-          <a:bodyPr wrap="square" rtlCol="0">
-            <a:spAutoFit/>
-          </a:bodyPr>
-          <a:lstStyle/>
-          <a:p>
+              <a:t>Conservation Analysis Between Thaliana and </a:t>
+            </a:r>
+            <a:r>
+              <a:rPr lang="en-US" dirty="0" err="1"/>
+              <a:t>Lyrata</a:t>
+            </a:r>
             <a:r>
               <a:rPr lang="en-US" dirty="0"/>
-              <a:t>Remove redundant motifs</a:t>
-            </a:r>
-          </a:p>
-        </p:txBody>
-      </p:sp>
-      <p:sp>
-        <p:nvSpPr>
-          <p:cNvPr id="15" name="TextBox 14">
-            <a:extLst>
-              <a:ext uri="{FF2B5EF4-FFF2-40B4-BE49-F238E27FC236}">
-                <a16:creationId xmlns:a16="http://schemas.microsoft.com/office/drawing/2014/main" id="{499E23D8-3601-4926-87B7-E350A08480C1}"/>
-              </a:ext>
-            </a:extLst>
-          </p:cNvPr>
-          <p:cNvSpPr txBox="1"/>
-          <p:nvPr/>
-        </p:nvSpPr>
-        <p:spPr>
-          <a:xfrm>
-            <a:off x="2607141" y="4080154"/>
-            <a:ext cx="2400300" cy="1200329"/>
-          </a:xfrm>
-          <a:prstGeom prst="rect">
-            <a:avLst/>
-          </a:prstGeom>
-          <a:noFill/>
-          <a:ln>
-            <a:solidFill>
-              <a:srgbClr val="FF0000"/>
-            </a:solidFill>
-          </a:ln>
-        </p:spPr>
-        <p:txBody>
-          <a:bodyPr wrap="square" rtlCol="0">
-            <a:spAutoFit/>
-          </a:bodyPr>
-          <a:lstStyle/>
-          <a:p>
-            <a:r>
-              <a:rPr lang="en-US" dirty="0"/>
-              <a:t>Select motifs present in &gt; 10 pollen-specific genes and in &lt; 30 non-pollen genes (13)</a:t>
+              <a:t> (n=13) </a:t>
             </a:r>
           </a:p>
         </p:txBody>
       </p:sp>
       <p:cxnSp>
         <p:nvCxnSpPr>
-          <p:cNvPr id="17" name="Straight Arrow Connector 16">
-            <a:extLst>
-              <a:ext uri="{FF2B5EF4-FFF2-40B4-BE49-F238E27FC236}">
-                <a16:creationId xmlns:a16="http://schemas.microsoft.com/office/drawing/2014/main" id="{20D46940-055B-468F-907C-C8FFD81B459D}"/>
+          <p:cNvPr id="45" name="Straight Arrow Connector 44">
+            <a:extLst>
+              <a:ext uri="{FF2B5EF4-FFF2-40B4-BE49-F238E27FC236}">
+                <a16:creationId xmlns:a16="http://schemas.microsoft.com/office/drawing/2014/main" id="{9D8932B4-3BE4-BB4D-BFCB-79824D5FD766}"/>
               </a:ext>
             </a:extLst>
           </p:cNvPr>
           <p:cNvCxnSpPr>
             <a:cxnSpLocks/>
-            <a:stCxn id="3" idx="3"/>
-            <a:endCxn id="2" idx="0"/>
+            <a:stCxn id="2" idx="2"/>
+            <a:endCxn id="7" idx="0"/>
           </p:cNvCxnSpPr>
           <p:nvPr/>
         </p:nvCxnSpPr>
         <p:spPr>
-          <a:xfrm>
-            <a:off x="4340691" y="195366"/>
-            <a:ext cx="1429099" cy="493927"/>
+          <a:xfrm flipH="1">
+            <a:off x="1235759" y="1699196"/>
+            <a:ext cx="1226634" cy="667265"/>
           </a:xfrm>
           <a:prstGeom prst="straightConnector1">
             <a:avLst/>
           </a:prstGeom>
-          <a:ln>
+          <a:ln w="12700">
+            <a:solidFill>
+              <a:schemeClr val="tx1"/>
+            </a:solidFill>
             <a:tailEnd type="triangle"/>
           </a:ln>
         </p:spPr>
         <p:style>
           <a:lnRef idx="1">
-            <a:schemeClr val="accent1"/>
+            <a:schemeClr val="dk1"/>
           </a:lnRef>
           <a:fillRef idx="0">
-            <a:schemeClr val="accent1"/>
+            <a:schemeClr val="dk1"/>
           </a:fillRef>
           <a:effectRef idx="0">
-            <a:schemeClr val="accent1"/>
+            <a:schemeClr val="dk1"/>
           </a:effectRef>
           <a:fontRef idx="minor">
             <a:schemeClr val="tx1"/>
@@ -3824,41 +3781,44 @@
       </p:cxnSp>
       <p:cxnSp>
         <p:nvCxnSpPr>
-          <p:cNvPr id="20" name="Straight Arrow Connector 19">
-            <a:extLst>
-              <a:ext uri="{FF2B5EF4-FFF2-40B4-BE49-F238E27FC236}">
-                <a16:creationId xmlns:a16="http://schemas.microsoft.com/office/drawing/2014/main" id="{5A013CE1-F6DA-4166-BC98-C3466045C386}"/>
+          <p:cNvPr id="48" name="Straight Arrow Connector 47">
+            <a:extLst>
+              <a:ext uri="{FF2B5EF4-FFF2-40B4-BE49-F238E27FC236}">
+                <a16:creationId xmlns:a16="http://schemas.microsoft.com/office/drawing/2014/main" id="{8E0E9074-C1F0-9D49-97A3-BDC9CDA3B04F}"/>
               </a:ext>
             </a:extLst>
           </p:cNvPr>
           <p:cNvCxnSpPr>
             <a:cxnSpLocks/>
             <a:stCxn id="2" idx="2"/>
-            <a:endCxn id="7" idx="0"/>
+            <a:endCxn id="9" idx="0"/>
           </p:cNvCxnSpPr>
           <p:nvPr/>
         </p:nvCxnSpPr>
         <p:spPr>
-          <a:xfrm flipH="1">
-            <a:off x="2635716" y="1335624"/>
-            <a:ext cx="3134074" cy="344230"/>
+          <a:xfrm>
+            <a:off x="2462393" y="1699196"/>
+            <a:ext cx="1274382" cy="661033"/>
           </a:xfrm>
           <a:prstGeom prst="straightConnector1">
             <a:avLst/>
           </a:prstGeom>
-          <a:ln>
+          <a:ln w="12700">
+            <a:solidFill>
+              <a:schemeClr val="tx1"/>
+            </a:solidFill>
             <a:tailEnd type="triangle"/>
           </a:ln>
         </p:spPr>
         <p:style>
           <a:lnRef idx="1">
-            <a:schemeClr val="accent1"/>
+            <a:schemeClr val="dk1"/>
           </a:lnRef>
           <a:fillRef idx="0">
-            <a:schemeClr val="accent1"/>
+            <a:schemeClr val="dk1"/>
           </a:fillRef>
           <a:effectRef idx="0">
-            <a:schemeClr val="accent1"/>
+            <a:schemeClr val="dk1"/>
           </a:effectRef>
           <a:fontRef idx="minor">
             <a:schemeClr val="tx1"/>
@@ -3867,41 +3827,44 @@
       </p:cxnSp>
       <p:cxnSp>
         <p:nvCxnSpPr>
-          <p:cNvPr id="23" name="Straight Arrow Connector 22">
-            <a:extLst>
-              <a:ext uri="{FF2B5EF4-FFF2-40B4-BE49-F238E27FC236}">
-                <a16:creationId xmlns:a16="http://schemas.microsoft.com/office/drawing/2014/main" id="{7F09C80C-3671-449D-A9DB-AD83B118BC92}"/>
+          <p:cNvPr id="60" name="Straight Arrow Connector 59">
+            <a:extLst>
+              <a:ext uri="{FF2B5EF4-FFF2-40B4-BE49-F238E27FC236}">
+                <a16:creationId xmlns:a16="http://schemas.microsoft.com/office/drawing/2014/main" id="{7DE43D3A-3B6A-2445-948B-055FEA80F80C}"/>
               </a:ext>
             </a:extLst>
           </p:cNvPr>
           <p:cNvCxnSpPr>
             <a:cxnSpLocks/>
-            <a:stCxn id="2" idx="2"/>
-            <a:endCxn id="9" idx="0"/>
+            <a:stCxn id="7" idx="2"/>
+            <a:endCxn id="8" idx="0"/>
           </p:cNvCxnSpPr>
           <p:nvPr/>
         </p:nvCxnSpPr>
         <p:spPr>
-          <a:xfrm flipH="1">
-            <a:off x="4874091" y="1335624"/>
-            <a:ext cx="895699" cy="344230"/>
+          <a:xfrm>
+            <a:off x="1235759" y="3012792"/>
+            <a:ext cx="1270636" cy="509141"/>
           </a:xfrm>
           <a:prstGeom prst="straightConnector1">
             <a:avLst/>
           </a:prstGeom>
-          <a:ln>
+          <a:ln w="12700">
+            <a:solidFill>
+              <a:schemeClr val="tx1"/>
+            </a:solidFill>
             <a:tailEnd type="triangle"/>
           </a:ln>
         </p:spPr>
         <p:style>
           <a:lnRef idx="1">
-            <a:schemeClr val="accent1"/>
+            <a:schemeClr val="dk1"/>
           </a:lnRef>
           <a:fillRef idx="0">
-            <a:schemeClr val="accent1"/>
+            <a:schemeClr val="dk1"/>
           </a:fillRef>
           <a:effectRef idx="0">
-            <a:schemeClr val="accent1"/>
+            <a:schemeClr val="dk1"/>
           </a:effectRef>
           <a:fontRef idx="minor">
             <a:schemeClr val="tx1"/>
@@ -3910,41 +3873,44 @@
       </p:cxnSp>
       <p:cxnSp>
         <p:nvCxnSpPr>
-          <p:cNvPr id="26" name="Straight Arrow Connector 25">
-            <a:extLst>
-              <a:ext uri="{FF2B5EF4-FFF2-40B4-BE49-F238E27FC236}">
-                <a16:creationId xmlns:a16="http://schemas.microsoft.com/office/drawing/2014/main" id="{C6BC2411-58E7-4480-BCC4-27A4FBDC4577}"/>
+          <p:cNvPr id="63" name="Straight Arrow Connector 62">
+            <a:extLst>
+              <a:ext uri="{FF2B5EF4-FFF2-40B4-BE49-F238E27FC236}">
+                <a16:creationId xmlns:a16="http://schemas.microsoft.com/office/drawing/2014/main" id="{10479EB8-1FDD-1A46-B935-D417ECBA86C1}"/>
               </a:ext>
             </a:extLst>
           </p:cNvPr>
           <p:cNvCxnSpPr>
             <a:cxnSpLocks/>
-            <a:stCxn id="7" idx="2"/>
+            <a:stCxn id="9" idx="2"/>
             <a:endCxn id="8" idx="0"/>
           </p:cNvCxnSpPr>
           <p:nvPr/>
         </p:nvCxnSpPr>
         <p:spPr>
-          <a:xfrm>
-            <a:off x="2635716" y="2326185"/>
-            <a:ext cx="1171575" cy="363319"/>
+          <a:xfrm flipH="1">
+            <a:off x="2506395" y="3006560"/>
+            <a:ext cx="1230380" cy="515373"/>
           </a:xfrm>
           <a:prstGeom prst="straightConnector1">
             <a:avLst/>
           </a:prstGeom>
-          <a:ln>
+          <a:ln w="12700">
+            <a:solidFill>
+              <a:schemeClr val="tx1"/>
+            </a:solidFill>
             <a:tailEnd type="triangle"/>
           </a:ln>
         </p:spPr>
         <p:style>
           <a:lnRef idx="1">
-            <a:schemeClr val="accent1"/>
+            <a:schemeClr val="dk1"/>
           </a:lnRef>
           <a:fillRef idx="0">
-            <a:schemeClr val="accent1"/>
+            <a:schemeClr val="dk1"/>
           </a:fillRef>
           <a:effectRef idx="0">
-            <a:schemeClr val="accent1"/>
+            <a:schemeClr val="dk1"/>
           </a:effectRef>
           <a:fontRef idx="minor">
             <a:schemeClr val="tx1"/>
@@ -3953,41 +3919,44 @@
       </p:cxnSp>
       <p:cxnSp>
         <p:nvCxnSpPr>
-          <p:cNvPr id="29" name="Straight Arrow Connector 28">
-            <a:extLst>
-              <a:ext uri="{FF2B5EF4-FFF2-40B4-BE49-F238E27FC236}">
-                <a16:creationId xmlns:a16="http://schemas.microsoft.com/office/drawing/2014/main" id="{CFEB42B0-216F-4642-B220-635042A71FE6}"/>
+          <p:cNvPr id="65" name="Straight Arrow Connector 64">
+            <a:extLst>
+              <a:ext uri="{FF2B5EF4-FFF2-40B4-BE49-F238E27FC236}">
+                <a16:creationId xmlns:a16="http://schemas.microsoft.com/office/drawing/2014/main" id="{865DF06C-B3DA-4041-8DDD-2AE9BD9E7EB1}"/>
               </a:ext>
             </a:extLst>
           </p:cNvPr>
           <p:cNvCxnSpPr>
             <a:cxnSpLocks/>
-            <a:stCxn id="9" idx="2"/>
-            <a:endCxn id="8" idx="0"/>
+            <a:stCxn id="8" idx="2"/>
+            <a:endCxn id="74" idx="0"/>
           </p:cNvCxnSpPr>
           <p:nvPr/>
         </p:nvCxnSpPr>
         <p:spPr>
           <a:xfrm flipH="1">
-            <a:off x="3807291" y="2326185"/>
-            <a:ext cx="1066800" cy="363319"/>
+            <a:off x="1203925" y="4168264"/>
+            <a:ext cx="1302470" cy="689565"/>
           </a:xfrm>
           <a:prstGeom prst="straightConnector1">
             <a:avLst/>
           </a:prstGeom>
-          <a:ln>
+          <a:ln w="38100">
+            <a:solidFill>
+              <a:srgbClr val="C00000"/>
+            </a:solidFill>
             <a:tailEnd type="triangle"/>
           </a:ln>
         </p:spPr>
         <p:style>
           <a:lnRef idx="1">
-            <a:schemeClr val="accent1"/>
+            <a:schemeClr val="dk1"/>
           </a:lnRef>
           <a:fillRef idx="0">
-            <a:schemeClr val="accent1"/>
+            <a:schemeClr val="dk1"/>
           </a:fillRef>
           <a:effectRef idx="0">
-            <a:schemeClr val="accent1"/>
+            <a:schemeClr val="dk1"/>
           </a:effectRef>
           <a:fontRef idx="minor">
             <a:schemeClr val="tx1"/>
@@ -3996,41 +3965,217 @@
       </p:cxnSp>
       <p:cxnSp>
         <p:nvCxnSpPr>
-          <p:cNvPr id="32" name="Straight Arrow Connector 31">
-            <a:extLst>
-              <a:ext uri="{FF2B5EF4-FFF2-40B4-BE49-F238E27FC236}">
-                <a16:creationId xmlns:a16="http://schemas.microsoft.com/office/drawing/2014/main" id="{A7625D67-81C1-4B2D-9EAF-AE290EB49799}"/>
+          <p:cNvPr id="68" name="Straight Arrow Connector 67">
+            <a:extLst>
+              <a:ext uri="{FF2B5EF4-FFF2-40B4-BE49-F238E27FC236}">
+                <a16:creationId xmlns:a16="http://schemas.microsoft.com/office/drawing/2014/main" id="{EA9BF7B0-5609-BB46-A57E-81335C63121A}"/>
               </a:ext>
             </a:extLst>
           </p:cNvPr>
           <p:cNvCxnSpPr>
             <a:cxnSpLocks/>
             <a:stCxn id="8" idx="2"/>
-            <a:endCxn id="15" idx="0"/>
+            <a:endCxn id="75" idx="0"/>
           </p:cNvCxnSpPr>
           <p:nvPr/>
         </p:nvCxnSpPr>
         <p:spPr>
           <a:xfrm>
-            <a:off x="3807291" y="3612834"/>
-            <a:ext cx="0" cy="467320"/>
+            <a:off x="2506395" y="4168264"/>
+            <a:ext cx="1112928" cy="678893"/>
           </a:xfrm>
           <a:prstGeom prst="straightConnector1">
             <a:avLst/>
           </a:prstGeom>
-          <a:ln>
+          <a:ln w="38100">
+            <a:solidFill>
+              <a:schemeClr val="accent6">
+                <a:lumMod val="75000"/>
+              </a:schemeClr>
+            </a:solidFill>
             <a:tailEnd type="triangle"/>
           </a:ln>
         </p:spPr>
         <p:style>
           <a:lnRef idx="1">
-            <a:schemeClr val="accent1"/>
+            <a:schemeClr val="dk1"/>
           </a:lnRef>
           <a:fillRef idx="0">
-            <a:schemeClr val="accent1"/>
+            <a:schemeClr val="dk1"/>
           </a:fillRef>
           <a:effectRef idx="0">
-            <a:schemeClr val="accent1"/>
+            <a:schemeClr val="dk1"/>
+          </a:effectRef>
+          <a:fontRef idx="minor">
+            <a:schemeClr val="tx1"/>
+          </a:fontRef>
+        </p:style>
+      </p:cxnSp>
+      <p:sp>
+        <p:nvSpPr>
+          <p:cNvPr id="74" name="TextBox 73">
+            <a:extLst>
+              <a:ext uri="{FF2B5EF4-FFF2-40B4-BE49-F238E27FC236}">
+                <a16:creationId xmlns:a16="http://schemas.microsoft.com/office/drawing/2014/main" id="{232C17A6-645F-234F-808E-602D5CE1C867}"/>
+              </a:ext>
+            </a:extLst>
+          </p:cNvPr>
+          <p:cNvSpPr txBox="1"/>
+          <p:nvPr/>
+        </p:nvSpPr>
+        <p:spPr>
+          <a:xfrm>
+            <a:off x="323993" y="4857829"/>
+            <a:ext cx="1759863" cy="646331"/>
+          </a:xfrm>
+          <a:prstGeom prst="rect">
+            <a:avLst/>
+          </a:prstGeom>
+          <a:noFill/>
+          <a:ln w="38100">
+            <a:solidFill>
+              <a:srgbClr val="C00000"/>
+            </a:solidFill>
+          </a:ln>
+        </p:spPr>
+        <p:txBody>
+          <a:bodyPr wrap="square" rtlCol="0">
+            <a:spAutoFit/>
+          </a:bodyPr>
+          <a:lstStyle/>
+          <a:p>
+            <a:pPr algn="ctr"/>
+            <a:r>
+              <a:rPr lang="en-US" b="1" dirty="0"/>
+              <a:t>Filter A selected 13 motifs</a:t>
+            </a:r>
+          </a:p>
+        </p:txBody>
+      </p:sp>
+      <p:sp>
+        <p:nvSpPr>
+          <p:cNvPr id="75" name="TextBox 74">
+            <a:extLst>
+              <a:ext uri="{FF2B5EF4-FFF2-40B4-BE49-F238E27FC236}">
+                <a16:creationId xmlns:a16="http://schemas.microsoft.com/office/drawing/2014/main" id="{97237B91-2BC7-1447-AEB7-3FD1229AF6D4}"/>
+              </a:ext>
+            </a:extLst>
+          </p:cNvPr>
+          <p:cNvSpPr txBox="1"/>
+          <p:nvPr/>
+        </p:nvSpPr>
+        <p:spPr>
+          <a:xfrm>
+            <a:off x="2739391" y="4847157"/>
+            <a:ext cx="1759863" cy="646331"/>
+          </a:xfrm>
+          <a:prstGeom prst="rect">
+            <a:avLst/>
+          </a:prstGeom>
+          <a:noFill/>
+          <a:ln w="38100">
+            <a:solidFill>
+              <a:schemeClr val="accent6">
+                <a:lumMod val="75000"/>
+              </a:schemeClr>
+            </a:solidFill>
+          </a:ln>
+        </p:spPr>
+        <p:txBody>
+          <a:bodyPr wrap="square" rtlCol="0">
+            <a:spAutoFit/>
+          </a:bodyPr>
+          <a:lstStyle/>
+          <a:p>
+            <a:pPr algn="ctr"/>
+            <a:r>
+              <a:rPr lang="en-US" b="1" dirty="0"/>
+              <a:t>Filter B selected 3 motifs</a:t>
+            </a:r>
+          </a:p>
+        </p:txBody>
+      </p:sp>
+      <p:sp>
+        <p:nvSpPr>
+          <p:cNvPr id="80" name="TextBox 79">
+            <a:extLst>
+              <a:ext uri="{FF2B5EF4-FFF2-40B4-BE49-F238E27FC236}">
+                <a16:creationId xmlns:a16="http://schemas.microsoft.com/office/drawing/2014/main" id="{A3F70E0F-E230-5A45-8301-6D23267FDCF8}"/>
+              </a:ext>
+            </a:extLst>
+          </p:cNvPr>
+          <p:cNvSpPr txBox="1"/>
+          <p:nvPr/>
+        </p:nvSpPr>
+        <p:spPr>
+          <a:xfrm>
+            <a:off x="705132" y="6037959"/>
+            <a:ext cx="3514523" cy="646331"/>
+          </a:xfrm>
+          <a:prstGeom prst="rect">
+            <a:avLst/>
+          </a:prstGeom>
+          <a:noFill/>
+          <a:ln>
+            <a:solidFill>
+              <a:schemeClr val="accent1"/>
+            </a:solidFill>
+          </a:ln>
+        </p:spPr>
+        <p:txBody>
+          <a:bodyPr wrap="square" rtlCol="0">
+            <a:spAutoFit/>
+          </a:bodyPr>
+          <a:lstStyle/>
+          <a:p>
+            <a:pPr algn="ctr"/>
+            <a:r>
+              <a:rPr lang="en-US" dirty="0"/>
+              <a:t>Machine learning analysis of motif activity and HRGP gene expression</a:t>
+            </a:r>
+          </a:p>
+        </p:txBody>
+      </p:sp>
+      <p:cxnSp>
+        <p:nvCxnSpPr>
+          <p:cNvPr id="86" name="Straight Arrow Connector 85">
+            <a:extLst>
+              <a:ext uri="{FF2B5EF4-FFF2-40B4-BE49-F238E27FC236}">
+                <a16:creationId xmlns:a16="http://schemas.microsoft.com/office/drawing/2014/main" id="{6ACB3B05-0888-9445-81C7-3DD0362FE3AE}"/>
+              </a:ext>
+            </a:extLst>
+          </p:cNvPr>
+          <p:cNvCxnSpPr>
+            <a:cxnSpLocks/>
+            <a:stCxn id="74" idx="2"/>
+            <a:endCxn id="80" idx="0"/>
+          </p:cNvCxnSpPr>
+          <p:nvPr/>
+        </p:nvCxnSpPr>
+        <p:spPr>
+          <a:xfrm>
+            <a:off x="1203925" y="5504160"/>
+            <a:ext cx="1258469" cy="533799"/>
+          </a:xfrm>
+          <a:prstGeom prst="straightConnector1">
+            <a:avLst/>
+          </a:prstGeom>
+          <a:ln w="12700">
+            <a:solidFill>
+              <a:schemeClr val="tx1"/>
+            </a:solidFill>
+            <a:tailEnd type="triangle"/>
+          </a:ln>
+        </p:spPr>
+        <p:style>
+          <a:lnRef idx="1">
+            <a:schemeClr val="dk1"/>
+          </a:lnRef>
+          <a:fillRef idx="0">
+            <a:schemeClr val="dk1"/>
+          </a:fillRef>
+          <a:effectRef idx="0">
+            <a:schemeClr val="dk1"/>
           </a:effectRef>
           <a:fontRef idx="minor">
             <a:schemeClr val="tx1"/>
@@ -4039,41 +4184,307 @@
       </p:cxnSp>
       <p:cxnSp>
         <p:nvCxnSpPr>
-          <p:cNvPr id="39" name="Straight Arrow Connector 38">
-            <a:extLst>
-              <a:ext uri="{FF2B5EF4-FFF2-40B4-BE49-F238E27FC236}">
-                <a16:creationId xmlns:a16="http://schemas.microsoft.com/office/drawing/2014/main" id="{F04E5D6E-B95D-4395-AB8A-8325BC87D751}"/>
+          <p:cNvPr id="88" name="Straight Arrow Connector 87">
+            <a:extLst>
+              <a:ext uri="{FF2B5EF4-FFF2-40B4-BE49-F238E27FC236}">
+                <a16:creationId xmlns:a16="http://schemas.microsoft.com/office/drawing/2014/main" id="{65AE0E02-05EC-F743-AF20-D71A4D3A0A9E}"/>
               </a:ext>
             </a:extLst>
           </p:cNvPr>
           <p:cNvCxnSpPr>
             <a:cxnSpLocks/>
-            <a:stCxn id="2" idx="2"/>
-            <a:endCxn id="5" idx="0"/>
+            <a:stCxn id="75" idx="2"/>
+            <a:endCxn id="80" idx="0"/>
           </p:cNvCxnSpPr>
           <p:nvPr/>
         </p:nvCxnSpPr>
         <p:spPr>
-          <a:xfrm>
-            <a:off x="5769790" y="1335624"/>
-            <a:ext cx="2199926" cy="344229"/>
+          <a:xfrm flipH="1">
+            <a:off x="2462394" y="5493488"/>
+            <a:ext cx="1156929" cy="544471"/>
           </a:xfrm>
           <a:prstGeom prst="straightConnector1">
             <a:avLst/>
           </a:prstGeom>
-          <a:ln>
+          <a:ln w="12700">
+            <a:solidFill>
+              <a:schemeClr val="tx1"/>
+            </a:solidFill>
             <a:tailEnd type="triangle"/>
           </a:ln>
         </p:spPr>
         <p:style>
           <a:lnRef idx="1">
-            <a:schemeClr val="accent1"/>
+            <a:schemeClr val="dk1"/>
           </a:lnRef>
           <a:fillRef idx="0">
+            <a:schemeClr val="dk1"/>
+          </a:fillRef>
+          <a:effectRef idx="0">
+            <a:schemeClr val="dk1"/>
+          </a:effectRef>
+          <a:fontRef idx="minor">
+            <a:schemeClr val="tx1"/>
+          </a:fontRef>
+        </p:style>
+      </p:cxnSp>
+      <p:sp>
+        <p:nvSpPr>
+          <p:cNvPr id="101" name="Rectangle 100">
+            <a:extLst>
+              <a:ext uri="{FF2B5EF4-FFF2-40B4-BE49-F238E27FC236}">
+                <a16:creationId xmlns:a16="http://schemas.microsoft.com/office/drawing/2014/main" id="{2A262CC7-FE4C-9048-899B-497891EF1C9D}"/>
+              </a:ext>
+            </a:extLst>
+          </p:cNvPr>
+          <p:cNvSpPr/>
+          <p:nvPr/>
+        </p:nvSpPr>
+        <p:spPr>
+          <a:xfrm>
+            <a:off x="5025520" y="621071"/>
+            <a:ext cx="2963917" cy="5937384"/>
+          </a:xfrm>
+          <a:prstGeom prst="rect">
+            <a:avLst/>
+          </a:prstGeom>
+          <a:noFill/>
+          <a:ln w="38100">
+            <a:solidFill>
+              <a:srgbClr val="C00000"/>
+            </a:solidFill>
+          </a:ln>
+        </p:spPr>
+        <p:style>
+          <a:lnRef idx="2">
+            <a:schemeClr val="accent1">
+              <a:shade val="50000"/>
+            </a:schemeClr>
+          </a:lnRef>
+          <a:fillRef idx="1">
             <a:schemeClr val="accent1"/>
           </a:fillRef>
           <a:effectRef idx="0">
             <a:schemeClr val="accent1"/>
+          </a:effectRef>
+          <a:fontRef idx="minor">
+            <a:schemeClr val="lt1"/>
+          </a:fontRef>
+        </p:style>
+        <p:txBody>
+          <a:bodyPr rtlCol="0" anchor="ctr"/>
+          <a:lstStyle/>
+          <a:p>
+            <a:pPr algn="ctr"/>
+            <a:endParaRPr lang="en-US"/>
+          </a:p>
+        </p:txBody>
+      </p:sp>
+      <p:sp>
+        <p:nvSpPr>
+          <p:cNvPr id="102" name="Rectangle 101">
+            <a:extLst>
+              <a:ext uri="{FF2B5EF4-FFF2-40B4-BE49-F238E27FC236}">
+                <a16:creationId xmlns:a16="http://schemas.microsoft.com/office/drawing/2014/main" id="{D4913D7C-643C-3B44-8425-E964332A6323}"/>
+              </a:ext>
+            </a:extLst>
+          </p:cNvPr>
+          <p:cNvSpPr/>
+          <p:nvPr/>
+        </p:nvSpPr>
+        <p:spPr>
+          <a:xfrm>
+            <a:off x="6046266" y="151191"/>
+            <a:ext cx="869533" cy="369332"/>
+          </a:xfrm>
+          <a:prstGeom prst="rect">
+            <a:avLst/>
+          </a:prstGeom>
+        </p:spPr>
+        <p:txBody>
+          <a:bodyPr wrap="none">
+            <a:spAutoFit/>
+          </a:bodyPr>
+          <a:lstStyle/>
+          <a:p>
+            <a:r>
+              <a:rPr lang="en-US" b="1" dirty="0"/>
+              <a:t>Filter A</a:t>
+            </a:r>
+            <a:endParaRPr lang="en-US" dirty="0"/>
+          </a:p>
+        </p:txBody>
+      </p:sp>
+      <p:sp>
+        <p:nvSpPr>
+          <p:cNvPr id="103" name="Rectangle 102">
+            <a:extLst>
+              <a:ext uri="{FF2B5EF4-FFF2-40B4-BE49-F238E27FC236}">
+                <a16:creationId xmlns:a16="http://schemas.microsoft.com/office/drawing/2014/main" id="{F092B704-01ED-1441-8A14-FC678E4AD932}"/>
+              </a:ext>
+            </a:extLst>
+          </p:cNvPr>
+          <p:cNvSpPr/>
+          <p:nvPr/>
+        </p:nvSpPr>
+        <p:spPr>
+          <a:xfrm>
+            <a:off x="8348638" y="621071"/>
+            <a:ext cx="3228548" cy="5937384"/>
+          </a:xfrm>
+          <a:prstGeom prst="rect">
+            <a:avLst/>
+          </a:prstGeom>
+          <a:noFill/>
+          <a:ln w="38100">
+            <a:solidFill>
+              <a:schemeClr val="accent6">
+                <a:lumMod val="75000"/>
+              </a:schemeClr>
+            </a:solidFill>
+          </a:ln>
+        </p:spPr>
+        <p:style>
+          <a:lnRef idx="2">
+            <a:schemeClr val="accent1">
+              <a:shade val="50000"/>
+            </a:schemeClr>
+          </a:lnRef>
+          <a:fillRef idx="1">
+            <a:schemeClr val="accent1"/>
+          </a:fillRef>
+          <a:effectRef idx="0">
+            <a:schemeClr val="accent1"/>
+          </a:effectRef>
+          <a:fontRef idx="minor">
+            <a:schemeClr val="lt1"/>
+          </a:fontRef>
+        </p:style>
+        <p:txBody>
+          <a:bodyPr rtlCol="0" anchor="ctr"/>
+          <a:lstStyle/>
+          <a:p>
+            <a:pPr algn="ctr"/>
+            <a:endParaRPr lang="en-US"/>
+          </a:p>
+        </p:txBody>
+      </p:sp>
+      <p:sp>
+        <p:nvSpPr>
+          <p:cNvPr id="104" name="Rectangle 103">
+            <a:extLst>
+              <a:ext uri="{FF2B5EF4-FFF2-40B4-BE49-F238E27FC236}">
+                <a16:creationId xmlns:a16="http://schemas.microsoft.com/office/drawing/2014/main" id="{6CEE8C80-5B25-814F-BD88-9635F189C8BA}"/>
+              </a:ext>
+            </a:extLst>
+          </p:cNvPr>
+          <p:cNvSpPr/>
+          <p:nvPr/>
+        </p:nvSpPr>
+        <p:spPr>
+          <a:xfrm>
+            <a:off x="9634011" y="151191"/>
+            <a:ext cx="912814" cy="369332"/>
+          </a:xfrm>
+          <a:prstGeom prst="rect">
+            <a:avLst/>
+          </a:prstGeom>
+        </p:spPr>
+        <p:txBody>
+          <a:bodyPr wrap="none">
+            <a:spAutoFit/>
+          </a:bodyPr>
+          <a:lstStyle/>
+          <a:p>
+            <a:r>
+              <a:rPr lang="en-US" b="1" dirty="0"/>
+              <a:t>Filter B </a:t>
+            </a:r>
+            <a:endParaRPr lang="en-US" dirty="0"/>
+          </a:p>
+        </p:txBody>
+      </p:sp>
+      <p:sp>
+        <p:nvSpPr>
+          <p:cNvPr id="106" name="TextBox 105">
+            <a:extLst>
+              <a:ext uri="{FF2B5EF4-FFF2-40B4-BE49-F238E27FC236}">
+                <a16:creationId xmlns:a16="http://schemas.microsoft.com/office/drawing/2014/main" id="{B7718379-D82F-6E4F-B07C-243F941BDB81}"/>
+              </a:ext>
+            </a:extLst>
+          </p:cNvPr>
+          <p:cNvSpPr txBox="1"/>
+          <p:nvPr/>
+        </p:nvSpPr>
+        <p:spPr>
+          <a:xfrm>
+            <a:off x="5751563" y="1212022"/>
+            <a:ext cx="1506040" cy="369332"/>
+          </a:xfrm>
+          <a:prstGeom prst="rect">
+            <a:avLst/>
+          </a:prstGeom>
+          <a:noFill/>
+          <a:ln>
+            <a:solidFill>
+              <a:schemeClr val="accent1"/>
+            </a:solidFill>
+          </a:ln>
+        </p:spPr>
+        <p:txBody>
+          <a:bodyPr wrap="square" rtlCol="0">
+            <a:spAutoFit/>
+          </a:bodyPr>
+          <a:lstStyle/>
+          <a:p>
+            <a:pPr algn="ctr"/>
+            <a:r>
+              <a:rPr lang="en-US" dirty="0"/>
+              <a:t>3519 motifs</a:t>
+            </a:r>
+          </a:p>
+        </p:txBody>
+      </p:sp>
+      <p:cxnSp>
+        <p:nvCxnSpPr>
+          <p:cNvPr id="107" name="Straight Arrow Connector 106">
+            <a:extLst>
+              <a:ext uri="{FF2B5EF4-FFF2-40B4-BE49-F238E27FC236}">
+                <a16:creationId xmlns:a16="http://schemas.microsoft.com/office/drawing/2014/main" id="{5772D062-68B1-BF41-9DB5-2E1A9F87325B}"/>
+              </a:ext>
+            </a:extLst>
+          </p:cNvPr>
+          <p:cNvCxnSpPr>
+            <a:cxnSpLocks/>
+            <a:stCxn id="106" idx="2"/>
+            <a:endCxn id="15" idx="0"/>
+          </p:cNvCxnSpPr>
+          <p:nvPr/>
+        </p:nvCxnSpPr>
+        <p:spPr>
+          <a:xfrm>
+            <a:off x="6504583" y="1581354"/>
+            <a:ext cx="2896" cy="880246"/>
+          </a:xfrm>
+          <a:prstGeom prst="straightConnector1">
+            <a:avLst/>
+          </a:prstGeom>
+          <a:ln w="12700">
+            <a:solidFill>
+              <a:schemeClr val="tx1"/>
+            </a:solidFill>
+            <a:tailEnd type="triangle"/>
+          </a:ln>
+        </p:spPr>
+        <p:style>
+          <a:lnRef idx="1">
+            <a:schemeClr val="dk1"/>
+          </a:lnRef>
+          <a:fillRef idx="0">
+            <a:schemeClr val="dk1"/>
+          </a:fillRef>
+          <a:effectRef idx="0">
+            <a:schemeClr val="dk1"/>
           </a:effectRef>
           <a:fontRef idx="minor">
             <a:schemeClr val="tx1"/>
@@ -4082,41 +4493,221 @@
       </p:cxnSp>
       <p:cxnSp>
         <p:nvCxnSpPr>
-          <p:cNvPr id="53" name="Straight Arrow Connector 52">
-            <a:extLst>
-              <a:ext uri="{FF2B5EF4-FFF2-40B4-BE49-F238E27FC236}">
-                <a16:creationId xmlns:a16="http://schemas.microsoft.com/office/drawing/2014/main" id="{1D102B61-9910-426A-A9AB-5973168114D7}"/>
+          <p:cNvPr id="112" name="Straight Arrow Connector 111">
+            <a:extLst>
+              <a:ext uri="{FF2B5EF4-FFF2-40B4-BE49-F238E27FC236}">
+                <a16:creationId xmlns:a16="http://schemas.microsoft.com/office/drawing/2014/main" id="{9907A8E2-9965-334A-86A1-F5D25B12D983}"/>
               </a:ext>
             </a:extLst>
           </p:cNvPr>
           <p:cNvCxnSpPr>
             <a:cxnSpLocks/>
-            <a:stCxn id="5" idx="2"/>
-            <a:endCxn id="10" idx="0"/>
+            <a:stCxn id="15" idx="2"/>
+            <a:endCxn id="83" idx="0"/>
           </p:cNvCxnSpPr>
           <p:nvPr/>
         </p:nvCxnSpPr>
         <p:spPr>
-          <a:xfrm>
-            <a:off x="7969716" y="2326184"/>
-            <a:ext cx="0" cy="487287"/>
+          <a:xfrm flipH="1">
+            <a:off x="6504583" y="3661929"/>
+            <a:ext cx="2896" cy="994398"/>
           </a:xfrm>
           <a:prstGeom prst="straightConnector1">
             <a:avLst/>
           </a:prstGeom>
-          <a:ln>
+          <a:ln w="12700">
+            <a:solidFill>
+              <a:schemeClr val="tx1"/>
+            </a:solidFill>
             <a:tailEnd type="triangle"/>
           </a:ln>
         </p:spPr>
         <p:style>
           <a:lnRef idx="1">
-            <a:schemeClr val="accent1"/>
+            <a:schemeClr val="dk1"/>
           </a:lnRef>
           <a:fillRef idx="0">
-            <a:schemeClr val="accent1"/>
+            <a:schemeClr val="dk1"/>
           </a:fillRef>
           <a:effectRef idx="0">
-            <a:schemeClr val="accent1"/>
+            <a:schemeClr val="dk1"/>
+          </a:effectRef>
+          <a:fontRef idx="minor">
+            <a:schemeClr val="tx1"/>
+          </a:fontRef>
+        </p:style>
+      </p:cxnSp>
+      <p:sp>
+        <p:nvSpPr>
+          <p:cNvPr id="121" name="TextBox 120">
+            <a:extLst>
+              <a:ext uri="{FF2B5EF4-FFF2-40B4-BE49-F238E27FC236}">
+                <a16:creationId xmlns:a16="http://schemas.microsoft.com/office/drawing/2014/main" id="{3B76DDE3-57E8-3C4F-A6B1-B9F76FF1E90F}"/>
+              </a:ext>
+            </a:extLst>
+          </p:cNvPr>
+          <p:cNvSpPr txBox="1"/>
+          <p:nvPr/>
+        </p:nvSpPr>
+        <p:spPr>
+          <a:xfrm>
+            <a:off x="8601840" y="2310945"/>
+            <a:ext cx="2662096" cy="646331"/>
+          </a:xfrm>
+          <a:prstGeom prst="rect">
+            <a:avLst/>
+          </a:prstGeom>
+          <a:noFill/>
+          <a:ln>
+            <a:solidFill>
+              <a:schemeClr val="accent6">
+                <a:lumMod val="75000"/>
+              </a:schemeClr>
+            </a:solidFill>
+          </a:ln>
+        </p:spPr>
+        <p:txBody>
+          <a:bodyPr wrap="square" rtlCol="0">
+            <a:spAutoFit/>
+          </a:bodyPr>
+          <a:lstStyle/>
+          <a:p>
+            <a:pPr algn="ctr"/>
+            <a:r>
+              <a:rPr lang="en-US" dirty="0"/>
+              <a:t>Matched putative promoter motifs (n=1341)</a:t>
+            </a:r>
+          </a:p>
+        </p:txBody>
+      </p:sp>
+      <p:sp>
+        <p:nvSpPr>
+          <p:cNvPr id="123" name="Rectangle 122">
+            <a:extLst>
+              <a:ext uri="{FF2B5EF4-FFF2-40B4-BE49-F238E27FC236}">
+                <a16:creationId xmlns:a16="http://schemas.microsoft.com/office/drawing/2014/main" id="{20F3B2F4-F55A-6546-A8E9-1FA62B2DF96E}"/>
+              </a:ext>
+            </a:extLst>
+          </p:cNvPr>
+          <p:cNvSpPr/>
+          <p:nvPr/>
+        </p:nvSpPr>
+        <p:spPr>
+          <a:xfrm>
+            <a:off x="8482460" y="748721"/>
+            <a:ext cx="2963917" cy="646331"/>
+          </a:xfrm>
+          <a:prstGeom prst="rect">
+            <a:avLst/>
+          </a:prstGeom>
+          <a:ln>
+            <a:solidFill>
+              <a:schemeClr val="accent6">
+                <a:lumMod val="75000"/>
+              </a:schemeClr>
+            </a:solidFill>
+          </a:ln>
+        </p:spPr>
+        <p:txBody>
+          <a:bodyPr wrap="square">
+            <a:spAutoFit/>
+          </a:bodyPr>
+          <a:lstStyle/>
+          <a:p>
+            <a:pPr algn="ctr"/>
+            <a:r>
+              <a:rPr lang="en-US" dirty="0"/>
+              <a:t>Pollen-expressed known TFs/motifs (</a:t>
+            </a:r>
+            <a:r>
+              <a:rPr lang="en-US" dirty="0" err="1"/>
+              <a:t>plantTFDB</a:t>
+            </a:r>
+            <a:r>
+              <a:rPr lang="en-US" dirty="0"/>
+              <a:t>, n=99)</a:t>
+            </a:r>
+          </a:p>
+        </p:txBody>
+      </p:sp>
+      <p:sp>
+        <p:nvSpPr>
+          <p:cNvPr id="125" name="Rectangle 124">
+            <a:extLst>
+              <a:ext uri="{FF2B5EF4-FFF2-40B4-BE49-F238E27FC236}">
+                <a16:creationId xmlns:a16="http://schemas.microsoft.com/office/drawing/2014/main" id="{DF9CB8B5-A4E6-A649-BDA3-8B9D9D736272}"/>
+              </a:ext>
+            </a:extLst>
+          </p:cNvPr>
+          <p:cNvSpPr/>
+          <p:nvPr/>
+        </p:nvSpPr>
+        <p:spPr>
+          <a:xfrm>
+            <a:off x="8573281" y="1530061"/>
+            <a:ext cx="797223" cy="646331"/>
+          </a:xfrm>
+          <a:prstGeom prst="rect">
+            <a:avLst/>
+          </a:prstGeom>
+          <a:ln>
+            <a:solidFill>
+              <a:schemeClr val="accent1"/>
+            </a:solidFill>
+          </a:ln>
+        </p:spPr>
+        <p:txBody>
+          <a:bodyPr wrap="square">
+            <a:spAutoFit/>
+          </a:bodyPr>
+          <a:lstStyle/>
+          <a:p>
+            <a:pPr algn="ctr"/>
+            <a:r>
+              <a:rPr lang="en-US" dirty="0"/>
+              <a:t>3519 motifs</a:t>
+            </a:r>
+          </a:p>
+        </p:txBody>
+      </p:sp>
+      <p:cxnSp>
+        <p:nvCxnSpPr>
+          <p:cNvPr id="126" name="Straight Arrow Connector 125">
+            <a:extLst>
+              <a:ext uri="{FF2B5EF4-FFF2-40B4-BE49-F238E27FC236}">
+                <a16:creationId xmlns:a16="http://schemas.microsoft.com/office/drawing/2014/main" id="{874378F0-CEF3-714A-B080-2E9870E7F50B}"/>
+              </a:ext>
+            </a:extLst>
+          </p:cNvPr>
+          <p:cNvCxnSpPr>
+            <a:cxnSpLocks/>
+          </p:cNvCxnSpPr>
+          <p:nvPr/>
+        </p:nvCxnSpPr>
+        <p:spPr>
+          <a:xfrm>
+            <a:off x="9943399" y="1395049"/>
+            <a:ext cx="0" cy="914400"/>
+          </a:xfrm>
+          <a:prstGeom prst="straightConnector1">
+            <a:avLst/>
+          </a:prstGeom>
+          <a:ln w="12700">
+            <a:solidFill>
+              <a:schemeClr val="tx1"/>
+            </a:solidFill>
+            <a:tailEnd type="triangle"/>
+          </a:ln>
+        </p:spPr>
+        <p:style>
+          <a:lnRef idx="1">
+            <a:schemeClr val="dk1"/>
+          </a:lnRef>
+          <a:fillRef idx="0">
+            <a:schemeClr val="dk1"/>
+          </a:fillRef>
+          <a:effectRef idx="0">
+            <a:schemeClr val="dk1"/>
           </a:effectRef>
           <a:fontRef idx="minor">
             <a:schemeClr val="tx1"/>
@@ -4125,41 +4716,176 @@
       </p:cxnSp>
       <p:cxnSp>
         <p:nvCxnSpPr>
-          <p:cNvPr id="56" name="Straight Arrow Connector 55">
-            <a:extLst>
-              <a:ext uri="{FF2B5EF4-FFF2-40B4-BE49-F238E27FC236}">
-                <a16:creationId xmlns:a16="http://schemas.microsoft.com/office/drawing/2014/main" id="{4574DD7F-9F1C-47B2-9F54-859AE184FA35}"/>
+          <p:cNvPr id="132" name="Straight Arrow Connector 131">
+            <a:extLst>
+              <a:ext uri="{FF2B5EF4-FFF2-40B4-BE49-F238E27FC236}">
+                <a16:creationId xmlns:a16="http://schemas.microsoft.com/office/drawing/2014/main" id="{19250514-EBA5-304D-825A-0255592CBE99}"/>
               </a:ext>
             </a:extLst>
           </p:cNvPr>
           <p:cNvCxnSpPr>
             <a:cxnSpLocks/>
-            <a:stCxn id="10" idx="2"/>
-            <a:endCxn id="11" idx="0"/>
+            <a:stCxn id="125" idx="3"/>
           </p:cNvCxnSpPr>
           <p:nvPr/>
         </p:nvCxnSpPr>
         <p:spPr>
-          <a:xfrm>
-            <a:off x="7969716" y="3459802"/>
-            <a:ext cx="9525" cy="306169"/>
+          <a:xfrm flipV="1">
+            <a:off x="9370504" y="1853224"/>
+            <a:ext cx="552487" cy="3"/>
           </a:xfrm>
           <a:prstGeom prst="straightConnector1">
             <a:avLst/>
           </a:prstGeom>
-          <a:ln>
+          <a:ln w="12700">
+            <a:solidFill>
+              <a:schemeClr val="tx1"/>
+            </a:solidFill>
             <a:tailEnd type="triangle"/>
           </a:ln>
         </p:spPr>
         <p:style>
           <a:lnRef idx="1">
-            <a:schemeClr val="accent1"/>
+            <a:schemeClr val="dk1"/>
           </a:lnRef>
           <a:fillRef idx="0">
-            <a:schemeClr val="accent1"/>
+            <a:schemeClr val="dk1"/>
           </a:fillRef>
           <a:effectRef idx="0">
-            <a:schemeClr val="accent1"/>
+            <a:schemeClr val="dk1"/>
+          </a:effectRef>
+          <a:fontRef idx="minor">
+            <a:schemeClr val="tx1"/>
+          </a:fontRef>
+        </p:style>
+      </p:cxnSp>
+      <p:sp>
+        <p:nvSpPr>
+          <p:cNvPr id="143" name="Rectangle 142">
+            <a:extLst>
+              <a:ext uri="{FF2B5EF4-FFF2-40B4-BE49-F238E27FC236}">
+                <a16:creationId xmlns:a16="http://schemas.microsoft.com/office/drawing/2014/main" id="{7F39BE8A-134E-9641-99AC-8B0659C116DA}"/>
+              </a:ext>
+            </a:extLst>
+          </p:cNvPr>
+          <p:cNvSpPr/>
+          <p:nvPr/>
+        </p:nvSpPr>
+        <p:spPr>
+          <a:xfrm>
+            <a:off x="8360654" y="3369900"/>
+            <a:ext cx="3228549" cy="646331"/>
+          </a:xfrm>
+          <a:prstGeom prst="rect">
+            <a:avLst/>
+          </a:prstGeom>
+          <a:ln>
+            <a:noFill/>
+          </a:ln>
+        </p:spPr>
+        <p:txBody>
+          <a:bodyPr wrap="square">
+            <a:spAutoFit/>
+          </a:bodyPr>
+          <a:lstStyle/>
+          <a:p>
+            <a:pPr algn="ctr"/>
+            <a:r>
+              <a:rPr lang="en-US" dirty="0"/>
+              <a:t>Conservation Analysis Between Thaliana and </a:t>
+            </a:r>
+            <a:r>
+              <a:rPr lang="en-US" dirty="0" err="1"/>
+              <a:t>Lyrata</a:t>
+            </a:r>
+            <a:r>
+              <a:rPr lang="en-US" dirty="0"/>
+              <a:t> (n=875) </a:t>
+            </a:r>
+          </a:p>
+        </p:txBody>
+      </p:sp>
+      <p:sp>
+        <p:nvSpPr>
+          <p:cNvPr id="151" name="TextBox 150">
+            <a:extLst>
+              <a:ext uri="{FF2B5EF4-FFF2-40B4-BE49-F238E27FC236}">
+                <a16:creationId xmlns:a16="http://schemas.microsoft.com/office/drawing/2014/main" id="{340C8F19-2E26-A14B-B3CB-9E18C6FDCAA7}"/>
+              </a:ext>
+            </a:extLst>
+          </p:cNvPr>
+          <p:cNvSpPr txBox="1"/>
+          <p:nvPr/>
+        </p:nvSpPr>
+        <p:spPr>
+          <a:xfrm>
+            <a:off x="8733855" y="5745895"/>
+            <a:ext cx="2440107" cy="646331"/>
+          </a:xfrm>
+          <a:prstGeom prst="rect">
+            <a:avLst/>
+          </a:prstGeom>
+          <a:noFill/>
+          <a:ln>
+            <a:solidFill>
+              <a:schemeClr val="accent6">
+                <a:lumMod val="75000"/>
+              </a:schemeClr>
+            </a:solidFill>
+          </a:ln>
+        </p:spPr>
+        <p:txBody>
+          <a:bodyPr wrap="square" rtlCol="0">
+            <a:spAutoFit/>
+          </a:bodyPr>
+          <a:lstStyle/>
+          <a:p>
+            <a:pPr algn="ctr"/>
+            <a:r>
+              <a:rPr lang="en-US" dirty="0"/>
+              <a:t>Remove redundant motifs (n=3)</a:t>
+            </a:r>
+          </a:p>
+        </p:txBody>
+      </p:sp>
+      <p:cxnSp>
+        <p:nvCxnSpPr>
+          <p:cNvPr id="160" name="Straight Arrow Connector 159">
+            <a:extLst>
+              <a:ext uri="{FF2B5EF4-FFF2-40B4-BE49-F238E27FC236}">
+                <a16:creationId xmlns:a16="http://schemas.microsoft.com/office/drawing/2014/main" id="{C1C85553-61BC-D343-B27A-FDF399475779}"/>
+              </a:ext>
+            </a:extLst>
+          </p:cNvPr>
+          <p:cNvCxnSpPr>
+            <a:cxnSpLocks/>
+          </p:cNvCxnSpPr>
+          <p:nvPr/>
+        </p:nvCxnSpPr>
+        <p:spPr>
+          <a:xfrm>
+            <a:off x="9948651" y="2968993"/>
+            <a:ext cx="0" cy="379883"/>
+          </a:xfrm>
+          <a:prstGeom prst="straightConnector1">
+            <a:avLst/>
+          </a:prstGeom>
+          <a:ln w="12700">
+            <a:solidFill>
+              <a:schemeClr val="tx1"/>
+            </a:solidFill>
+            <a:tailEnd type="triangle"/>
+          </a:ln>
+        </p:spPr>
+        <p:style>
+          <a:lnRef idx="1">
+            <a:schemeClr val="dk1"/>
+          </a:lnRef>
+          <a:fillRef idx="0">
+            <a:schemeClr val="dk1"/>
+          </a:fillRef>
+          <a:effectRef idx="0">
+            <a:schemeClr val="dk1"/>
           </a:effectRef>
           <a:fontRef idx="minor">
             <a:schemeClr val="tx1"/>
@@ -4168,41 +4894,42 @@
       </p:cxnSp>
       <p:cxnSp>
         <p:nvCxnSpPr>
-          <p:cNvPr id="59" name="Straight Arrow Connector 58">
-            <a:extLst>
-              <a:ext uri="{FF2B5EF4-FFF2-40B4-BE49-F238E27FC236}">
-                <a16:creationId xmlns:a16="http://schemas.microsoft.com/office/drawing/2014/main" id="{160D9660-6EC1-4990-9C92-D8E8E605B8F7}"/>
+          <p:cNvPr id="162" name="Straight Arrow Connector 161">
+            <a:extLst>
+              <a:ext uri="{FF2B5EF4-FFF2-40B4-BE49-F238E27FC236}">
+                <a16:creationId xmlns:a16="http://schemas.microsoft.com/office/drawing/2014/main" id="{0DDC5722-2C6A-574F-AE15-BDE8A33C12C8}"/>
               </a:ext>
             </a:extLst>
           </p:cNvPr>
           <p:cNvCxnSpPr>
             <a:cxnSpLocks/>
-            <a:stCxn id="11" idx="2"/>
-            <a:endCxn id="12" idx="0"/>
           </p:cNvCxnSpPr>
           <p:nvPr/>
         </p:nvCxnSpPr>
         <p:spPr>
           <a:xfrm>
-            <a:off x="7979241" y="4135303"/>
-            <a:ext cx="0" cy="312541"/>
+            <a:off x="9965023" y="4047757"/>
+            <a:ext cx="0" cy="379883"/>
           </a:xfrm>
           <a:prstGeom prst="straightConnector1">
             <a:avLst/>
           </a:prstGeom>
-          <a:ln>
+          <a:ln w="12700">
+            <a:solidFill>
+              <a:schemeClr val="tx1"/>
+            </a:solidFill>
             <a:tailEnd type="triangle"/>
           </a:ln>
         </p:spPr>
         <p:style>
           <a:lnRef idx="1">
-            <a:schemeClr val="accent1"/>
+            <a:schemeClr val="dk1"/>
           </a:lnRef>
           <a:fillRef idx="0">
-            <a:schemeClr val="accent1"/>
+            <a:schemeClr val="dk1"/>
           </a:fillRef>
           <a:effectRef idx="0">
-            <a:schemeClr val="accent1"/>
+            <a:schemeClr val="dk1"/>
           </a:effectRef>
           <a:fontRef idx="minor">
             <a:schemeClr val="tx1"/>
@@ -4211,523 +4938,226 @@
       </p:cxnSp>
       <p:cxnSp>
         <p:nvCxnSpPr>
-          <p:cNvPr id="62" name="Straight Arrow Connector 61">
-            <a:extLst>
-              <a:ext uri="{FF2B5EF4-FFF2-40B4-BE49-F238E27FC236}">
-                <a16:creationId xmlns:a16="http://schemas.microsoft.com/office/drawing/2014/main" id="{25E51EA3-0B86-48F3-B2D8-B91ABB3B1077}"/>
+          <p:cNvPr id="163" name="Straight Arrow Connector 162">
+            <a:extLst>
+              <a:ext uri="{FF2B5EF4-FFF2-40B4-BE49-F238E27FC236}">
+                <a16:creationId xmlns:a16="http://schemas.microsoft.com/office/drawing/2014/main" id="{EFE86259-31A1-F140-BCBC-77C283955B92}"/>
               </a:ext>
             </a:extLst>
           </p:cNvPr>
           <p:cNvCxnSpPr>
             <a:cxnSpLocks/>
-            <a:stCxn id="12" idx="2"/>
-            <a:endCxn id="13" idx="0"/>
           </p:cNvCxnSpPr>
           <p:nvPr/>
         </p:nvCxnSpPr>
         <p:spPr>
-          <a:xfrm flipH="1">
-            <a:off x="7979240" y="5094175"/>
-            <a:ext cx="1" cy="422422"/>
+          <a:xfrm>
+            <a:off x="9981391" y="5366604"/>
+            <a:ext cx="0" cy="379883"/>
           </a:xfrm>
           <a:prstGeom prst="straightConnector1">
             <a:avLst/>
           </a:prstGeom>
-          <a:ln>
+          <a:ln w="12700">
+            <a:solidFill>
+              <a:schemeClr val="tx1"/>
+            </a:solidFill>
             <a:tailEnd type="triangle"/>
           </a:ln>
         </p:spPr>
         <p:style>
           <a:lnRef idx="1">
-            <a:schemeClr val="accent1"/>
+            <a:schemeClr val="dk1"/>
           </a:lnRef>
           <a:fillRef idx="0">
+            <a:schemeClr val="dk1"/>
+          </a:fillRef>
+          <a:effectRef idx="0">
+            <a:schemeClr val="dk1"/>
+          </a:effectRef>
+          <a:fontRef idx="minor">
+            <a:schemeClr val="tx1"/>
+          </a:fontRef>
+        </p:style>
+      </p:cxnSp>
+      <p:sp>
+        <p:nvSpPr>
+          <p:cNvPr id="166" name="Rectangle 165">
+            <a:extLst>
+              <a:ext uri="{FF2B5EF4-FFF2-40B4-BE49-F238E27FC236}">
+                <a16:creationId xmlns:a16="http://schemas.microsoft.com/office/drawing/2014/main" id="{327A6941-5B1C-2E46-A7BB-53FF05B50DF1}"/>
+              </a:ext>
+            </a:extLst>
+          </p:cNvPr>
+          <p:cNvSpPr/>
+          <p:nvPr/>
+        </p:nvSpPr>
+        <p:spPr>
+          <a:xfrm>
+            <a:off x="8408889" y="3358793"/>
+            <a:ext cx="3108960" cy="657435"/>
+          </a:xfrm>
+          <a:prstGeom prst="rect">
+            <a:avLst/>
+          </a:prstGeom>
+          <a:noFill/>
+          <a:ln>
+            <a:solidFill>
+              <a:schemeClr val="accent6">
+                <a:lumMod val="75000"/>
+              </a:schemeClr>
+            </a:solidFill>
+          </a:ln>
+        </p:spPr>
+        <p:style>
+          <a:lnRef idx="2">
+            <a:schemeClr val="accent1">
+              <a:shade val="50000"/>
+            </a:schemeClr>
+          </a:lnRef>
+          <a:fillRef idx="1">
             <a:schemeClr val="accent1"/>
           </a:fillRef>
           <a:effectRef idx="0">
             <a:schemeClr val="accent1"/>
           </a:effectRef>
           <a:fontRef idx="minor">
-            <a:schemeClr val="tx1"/>
+            <a:schemeClr val="lt1"/>
           </a:fontRef>
         </p:style>
-      </p:cxnSp>
-      <p:sp>
-        <p:nvSpPr>
-          <p:cNvPr id="66" name="TextBox 65">
-            <a:extLst>
-              <a:ext uri="{FF2B5EF4-FFF2-40B4-BE49-F238E27FC236}">
-                <a16:creationId xmlns:a16="http://schemas.microsoft.com/office/drawing/2014/main" id="{2238B192-BF60-4FBA-910B-FA56D408016E}"/>
-              </a:ext>
-            </a:extLst>
-          </p:cNvPr>
-          <p:cNvSpPr txBox="1"/>
-          <p:nvPr/>
-        </p:nvSpPr>
-        <p:spPr>
-          <a:xfrm rot="16200000">
-            <a:off x="1797516" y="4473745"/>
-            <a:ext cx="971550" cy="400110"/>
-          </a:xfrm>
-          <a:prstGeom prst="rect">
-            <a:avLst/>
-          </a:prstGeom>
-          <a:noFill/>
-          <a:ln>
-            <a:solidFill>
-              <a:srgbClr val="FF0000"/>
-            </a:solidFill>
-          </a:ln>
-        </p:spPr>
-        <p:txBody>
-          <a:bodyPr wrap="square" rtlCol="0">
-            <a:spAutoFit/>
-          </a:bodyPr>
-          <a:lstStyle/>
-          <a:p>
-            <a:r>
-              <a:rPr lang="en-US" sz="2000" b="1" dirty="0"/>
-              <a:t>Filter A</a:t>
-            </a:r>
-          </a:p>
-        </p:txBody>
-      </p:sp>
-      <p:sp>
-        <p:nvSpPr>
-          <p:cNvPr id="67" name="TextBox 66">
-            <a:extLst>
-              <a:ext uri="{FF2B5EF4-FFF2-40B4-BE49-F238E27FC236}">
-                <a16:creationId xmlns:a16="http://schemas.microsoft.com/office/drawing/2014/main" id="{EC68A278-61C1-4D49-A2B9-A9582DB07333}"/>
-              </a:ext>
-            </a:extLst>
-          </p:cNvPr>
-          <p:cNvSpPr txBox="1"/>
-          <p:nvPr/>
-        </p:nvSpPr>
-        <p:spPr>
-          <a:xfrm rot="16200000">
-            <a:off x="8658640" y="2736173"/>
-            <a:ext cx="2636282" cy="400110"/>
-          </a:xfrm>
-          <a:prstGeom prst="rect">
-            <a:avLst/>
-          </a:prstGeom>
-          <a:noFill/>
-          <a:ln>
-            <a:solidFill>
-              <a:srgbClr val="FFFF00"/>
-            </a:solidFill>
-          </a:ln>
-        </p:spPr>
-        <p:txBody>
-          <a:bodyPr wrap="square" rtlCol="0">
-            <a:spAutoFit/>
-          </a:bodyPr>
+        <p:txBody>
+          <a:bodyPr rtlCol="0" anchor="ctr"/>
           <a:lstStyle/>
           <a:p>
             <a:pPr algn="ctr"/>
-            <a:r>
-              <a:rPr lang="en-US" sz="2000" b="1" dirty="0"/>
-              <a:t>Filter B</a:t>
-            </a:r>
-          </a:p>
-        </p:txBody>
-      </p:sp>
-      <p:cxnSp>
-        <p:nvCxnSpPr>
-          <p:cNvPr id="69" name="Straight Arrow Connector 68">
-            <a:extLst>
-              <a:ext uri="{FF2B5EF4-FFF2-40B4-BE49-F238E27FC236}">
-                <a16:creationId xmlns:a16="http://schemas.microsoft.com/office/drawing/2014/main" id="{896FA751-36D2-49C4-A19F-E2F63FBD68CC}"/>
-              </a:ext>
-            </a:extLst>
-          </p:cNvPr>
-          <p:cNvCxnSpPr>
-            <a:cxnSpLocks/>
-            <a:stCxn id="8" idx="3"/>
-            <a:endCxn id="10" idx="1"/>
-          </p:cNvCxnSpPr>
-          <p:nvPr/>
-        </p:nvCxnSpPr>
-        <p:spPr>
-          <a:xfrm flipV="1">
-            <a:off x="4883616" y="3136637"/>
-            <a:ext cx="1885950" cy="14532"/>
-          </a:xfrm>
-          <a:prstGeom prst="straightConnector1">
-            <a:avLst/>
-          </a:prstGeom>
-          <a:ln>
-            <a:tailEnd type="triangle"/>
-          </a:ln>
-        </p:spPr>
-        <p:style>
-          <a:lnRef idx="1">
-            <a:schemeClr val="accent1"/>
-          </a:lnRef>
-          <a:fillRef idx="0">
-            <a:schemeClr val="accent1"/>
-          </a:fillRef>
-          <a:effectRef idx="0">
-            <a:schemeClr val="accent1"/>
-          </a:effectRef>
-          <a:fontRef idx="minor">
-            <a:schemeClr val="tx1"/>
-          </a:fontRef>
-        </p:style>
-      </p:cxnSp>
-      <p:sp>
-        <p:nvSpPr>
-          <p:cNvPr id="31" name="TextBox 30">
-            <a:extLst>
-              <a:ext uri="{FF2B5EF4-FFF2-40B4-BE49-F238E27FC236}">
-                <a16:creationId xmlns:a16="http://schemas.microsoft.com/office/drawing/2014/main" id="{31BC875B-EAD5-4862-8BC0-705CF7AED09E}"/>
-              </a:ext>
-            </a:extLst>
-          </p:cNvPr>
-          <p:cNvSpPr txBox="1"/>
-          <p:nvPr/>
-        </p:nvSpPr>
-        <p:spPr>
-          <a:xfrm>
-            <a:off x="7545681" y="253"/>
-            <a:ext cx="2677309" cy="646331"/>
-          </a:xfrm>
-          <a:prstGeom prst="rect">
-            <a:avLst/>
-          </a:prstGeom>
-          <a:noFill/>
-          <a:ln>
-            <a:solidFill>
-              <a:srgbClr val="FFFF00"/>
-            </a:solidFill>
-          </a:ln>
-        </p:spPr>
-        <p:txBody>
-          <a:bodyPr wrap="square" rtlCol="0">
-            <a:spAutoFit/>
-          </a:bodyPr>
-          <a:lstStyle/>
-          <a:p>
-            <a:r>
-              <a:rPr lang="en-US" dirty="0"/>
-              <a:t>Arabidopsis TFs/TFBSs from </a:t>
-            </a:r>
-            <a:r>
-              <a:rPr lang="en-US" dirty="0" err="1"/>
-              <a:t>plantTFDB</a:t>
-            </a:r>
-            <a:r>
-              <a:rPr lang="en-US" dirty="0"/>
-              <a:t>[19] (619)</a:t>
-            </a:r>
-          </a:p>
-        </p:txBody>
-      </p:sp>
-      <p:cxnSp>
-        <p:nvCxnSpPr>
-          <p:cNvPr id="33" name="Straight Arrow Connector 32">
-            <a:extLst>
-              <a:ext uri="{FF2B5EF4-FFF2-40B4-BE49-F238E27FC236}">
-                <a16:creationId xmlns:a16="http://schemas.microsoft.com/office/drawing/2014/main" id="{31865FE4-9894-432C-912F-D76AE8526993}"/>
-              </a:ext>
-            </a:extLst>
-          </p:cNvPr>
-          <p:cNvCxnSpPr>
-            <a:cxnSpLocks/>
-            <a:stCxn id="31" idx="1"/>
-            <a:endCxn id="2" idx="0"/>
-          </p:cNvCxnSpPr>
-          <p:nvPr/>
-        </p:nvCxnSpPr>
-        <p:spPr>
-          <a:xfrm flipH="1">
-            <a:off x="5769790" y="323419"/>
-            <a:ext cx="1775891" cy="365874"/>
-          </a:xfrm>
-          <a:prstGeom prst="straightConnector1">
-            <a:avLst/>
-          </a:prstGeom>
-          <a:ln>
-            <a:tailEnd type="triangle"/>
-          </a:ln>
-        </p:spPr>
-        <p:style>
-          <a:lnRef idx="1">
-            <a:schemeClr val="accent1"/>
-          </a:lnRef>
-          <a:fillRef idx="0">
-            <a:schemeClr val="accent1"/>
-          </a:fillRef>
-          <a:effectRef idx="0">
-            <a:schemeClr val="accent1"/>
-          </a:effectRef>
-          <a:fontRef idx="minor">
-            <a:schemeClr val="tx1"/>
-          </a:fontRef>
-        </p:style>
-      </p:cxnSp>
-      <p:sp>
-        <p:nvSpPr>
-          <p:cNvPr id="57" name="TextBox 56">
-            <a:extLst>
-              <a:ext uri="{FF2B5EF4-FFF2-40B4-BE49-F238E27FC236}">
-                <a16:creationId xmlns:a16="http://schemas.microsoft.com/office/drawing/2014/main" id="{B9DFD287-17E5-448B-B18D-ABEC3FF53E06}"/>
-              </a:ext>
-            </a:extLst>
-          </p:cNvPr>
-          <p:cNvSpPr txBox="1"/>
-          <p:nvPr/>
-        </p:nvSpPr>
-        <p:spPr>
-          <a:xfrm>
-            <a:off x="6931490" y="6339084"/>
-            <a:ext cx="2095500" cy="369332"/>
-          </a:xfrm>
-          <a:prstGeom prst="rect">
-            <a:avLst/>
-          </a:prstGeom>
-          <a:noFill/>
-          <a:ln>
-            <a:solidFill>
-              <a:srgbClr val="FFFF00"/>
-            </a:solidFill>
-          </a:ln>
-        </p:spPr>
-        <p:txBody>
-          <a:bodyPr wrap="square" rtlCol="0">
-            <a:spAutoFit/>
-          </a:bodyPr>
-          <a:lstStyle/>
-          <a:p>
-            <a:r>
-              <a:rPr lang="en-US" dirty="0"/>
-              <a:t>Putative Motifs (3)</a:t>
-            </a:r>
-          </a:p>
-        </p:txBody>
-      </p:sp>
-      <p:cxnSp>
-        <p:nvCxnSpPr>
-          <p:cNvPr id="73" name="Straight Arrow Connector 72">
-            <a:extLst>
-              <a:ext uri="{FF2B5EF4-FFF2-40B4-BE49-F238E27FC236}">
-                <a16:creationId xmlns:a16="http://schemas.microsoft.com/office/drawing/2014/main" id="{CEEC129D-A421-462D-932E-52AC86194BB1}"/>
-              </a:ext>
-            </a:extLst>
-          </p:cNvPr>
-          <p:cNvCxnSpPr>
-            <a:cxnSpLocks/>
-            <a:stCxn id="13" idx="2"/>
-            <a:endCxn id="57" idx="0"/>
-          </p:cNvCxnSpPr>
-          <p:nvPr/>
-        </p:nvCxnSpPr>
-        <p:spPr>
-          <a:xfrm>
-            <a:off x="7979240" y="5885929"/>
-            <a:ext cx="0" cy="453155"/>
-          </a:xfrm>
-          <a:prstGeom prst="straightConnector1">
-            <a:avLst/>
-          </a:prstGeom>
-          <a:ln>
-            <a:tailEnd type="triangle"/>
-          </a:ln>
-        </p:spPr>
-        <p:style>
-          <a:lnRef idx="1">
-            <a:schemeClr val="accent1"/>
-          </a:lnRef>
-          <a:fillRef idx="0">
-            <a:schemeClr val="accent1"/>
-          </a:fillRef>
-          <a:effectRef idx="0">
-            <a:schemeClr val="accent1"/>
-          </a:effectRef>
-          <a:fontRef idx="minor">
-            <a:schemeClr val="tx1"/>
-          </a:fontRef>
-        </p:style>
-      </p:cxnSp>
-      <p:sp>
-        <p:nvSpPr>
-          <p:cNvPr id="76" name="TextBox 75">
-            <a:extLst>
-              <a:ext uri="{FF2B5EF4-FFF2-40B4-BE49-F238E27FC236}">
-                <a16:creationId xmlns:a16="http://schemas.microsoft.com/office/drawing/2014/main" id="{45EC723C-CE48-4E57-A410-AE51E3BDFB2C}"/>
-              </a:ext>
-            </a:extLst>
-          </p:cNvPr>
-          <p:cNvSpPr txBox="1"/>
-          <p:nvPr/>
-        </p:nvSpPr>
-        <p:spPr>
-          <a:xfrm>
-            <a:off x="144631" y="5701263"/>
-            <a:ext cx="3420475" cy="646331"/>
-          </a:xfrm>
-          <a:prstGeom prst="rect">
-            <a:avLst/>
-          </a:prstGeom>
-          <a:noFill/>
-          <a:ln>
-            <a:solidFill>
-              <a:srgbClr val="FF0000"/>
-            </a:solidFill>
-          </a:ln>
-        </p:spPr>
-        <p:txBody>
-          <a:bodyPr wrap="square" rtlCol="0">
-            <a:spAutoFit/>
-          </a:bodyPr>
-          <a:lstStyle/>
-          <a:p>
-            <a:r>
-              <a:rPr lang="en-US" dirty="0"/>
-              <a:t>Arabidopsis TFs/TFBSs from </a:t>
-            </a:r>
-            <a:r>
-              <a:rPr lang="en-US" dirty="0" err="1"/>
-              <a:t>plantTFDB</a:t>
-            </a:r>
-            <a:r>
-              <a:rPr lang="en-US" dirty="0"/>
-              <a:t>[19] (4)</a:t>
-            </a:r>
-          </a:p>
-        </p:txBody>
-      </p:sp>
-      <p:cxnSp>
-        <p:nvCxnSpPr>
-          <p:cNvPr id="77" name="Straight Arrow Connector 76">
-            <a:extLst>
-              <a:ext uri="{FF2B5EF4-FFF2-40B4-BE49-F238E27FC236}">
-                <a16:creationId xmlns:a16="http://schemas.microsoft.com/office/drawing/2014/main" id="{6CC9F3C2-D179-4DF5-AFB4-EECF5751545B}"/>
-              </a:ext>
-            </a:extLst>
-          </p:cNvPr>
-          <p:cNvCxnSpPr>
-            <a:cxnSpLocks/>
-            <a:stCxn id="15" idx="2"/>
-            <a:endCxn id="76" idx="0"/>
-          </p:cNvCxnSpPr>
-          <p:nvPr/>
-        </p:nvCxnSpPr>
-        <p:spPr>
-          <a:xfrm flipH="1">
-            <a:off x="1854869" y="5280483"/>
-            <a:ext cx="1952422" cy="420780"/>
-          </a:xfrm>
-          <a:prstGeom prst="straightConnector1">
-            <a:avLst/>
-          </a:prstGeom>
-          <a:ln>
-            <a:tailEnd type="triangle"/>
-          </a:ln>
-        </p:spPr>
-        <p:style>
-          <a:lnRef idx="1">
-            <a:schemeClr val="accent1"/>
-          </a:lnRef>
-          <a:fillRef idx="0">
-            <a:schemeClr val="accent1"/>
-          </a:fillRef>
-          <a:effectRef idx="0">
-            <a:schemeClr val="accent1"/>
-          </a:effectRef>
-          <a:fontRef idx="minor">
-            <a:schemeClr val="tx1"/>
-          </a:fontRef>
-        </p:style>
-      </p:cxnSp>
-      <p:sp>
-        <p:nvSpPr>
-          <p:cNvPr id="83" name="TextBox 82">
-            <a:extLst>
-              <a:ext uri="{FF2B5EF4-FFF2-40B4-BE49-F238E27FC236}">
-                <a16:creationId xmlns:a16="http://schemas.microsoft.com/office/drawing/2014/main" id="{0C02FF54-CF8B-49C0-927C-C9E09A8AC405}"/>
-              </a:ext>
-            </a:extLst>
-          </p:cNvPr>
-          <p:cNvSpPr txBox="1"/>
-          <p:nvPr/>
-        </p:nvSpPr>
-        <p:spPr>
-          <a:xfrm>
-            <a:off x="3921591" y="5876121"/>
-            <a:ext cx="2335449" cy="646331"/>
-          </a:xfrm>
-          <a:prstGeom prst="rect">
-            <a:avLst/>
-          </a:prstGeom>
-          <a:noFill/>
-          <a:ln>
-            <a:solidFill>
-              <a:srgbClr val="FF0000"/>
-            </a:solidFill>
-          </a:ln>
-        </p:spPr>
-        <p:txBody>
-          <a:bodyPr wrap="square" rtlCol="0">
-            <a:spAutoFit/>
-          </a:bodyPr>
-          <a:lstStyle/>
-          <a:p>
-            <a:r>
-              <a:rPr lang="en-US" dirty="0"/>
-              <a:t>Conservation Analysis (13)</a:t>
-            </a:r>
-          </a:p>
-        </p:txBody>
-      </p:sp>
-      <p:cxnSp>
-        <p:nvCxnSpPr>
-          <p:cNvPr id="85" name="Straight Arrow Connector 84">
-            <a:extLst>
-              <a:ext uri="{FF2B5EF4-FFF2-40B4-BE49-F238E27FC236}">
-                <a16:creationId xmlns:a16="http://schemas.microsoft.com/office/drawing/2014/main" id="{BE60AC0F-2860-43B9-991D-6A5FC0C8A040}"/>
-              </a:ext>
-            </a:extLst>
-          </p:cNvPr>
-          <p:cNvCxnSpPr>
-            <a:cxnSpLocks/>
-            <a:stCxn id="15" idx="2"/>
-            <a:endCxn id="83" idx="0"/>
-          </p:cNvCxnSpPr>
-          <p:nvPr/>
-        </p:nvCxnSpPr>
-        <p:spPr>
-          <a:xfrm>
-            <a:off x="3807291" y="5280483"/>
-            <a:ext cx="1282025" cy="595638"/>
-          </a:xfrm>
-          <a:prstGeom prst="straightConnector1">
-            <a:avLst/>
-          </a:prstGeom>
-          <a:ln>
-            <a:tailEnd type="triangle"/>
-          </a:ln>
-        </p:spPr>
-        <p:style>
-          <a:lnRef idx="1">
-            <a:schemeClr val="accent1"/>
-          </a:lnRef>
-          <a:fillRef idx="0">
-            <a:schemeClr val="accent1"/>
-          </a:fillRef>
-          <a:effectRef idx="0">
-            <a:schemeClr val="accent1"/>
-          </a:effectRef>
-          <a:fontRef idx="minor">
-            <a:schemeClr val="tx1"/>
-          </a:fontRef>
-        </p:style>
-      </p:cxnSp>
+            <a:endParaRPr lang="en-US"/>
+          </a:p>
+        </p:txBody>
+      </p:sp>
     </p:spTree>
     <p:extLst>
       <p:ext uri="{BB962C8B-B14F-4D97-AF65-F5344CB8AC3E}">
         <p14:creationId xmlns:p14="http://schemas.microsoft.com/office/powerpoint/2010/main" val="4287552678"/>
+      </p:ext>
+    </p:extLst>
+  </p:cSld>
+  <p:clrMapOvr>
+    <a:masterClrMapping/>
+  </p:clrMapOvr>
+</p:sld>
+</file>
+
+<file path=ppt/slides/slide2.xml><?xml version="1.0" encoding="utf-8"?>
+<p:sld xmlns:a="http://schemas.openxmlformats.org/drawingml/2006/main" xmlns:r="http://schemas.openxmlformats.org/officeDocument/2006/relationships" xmlns:p="http://schemas.openxmlformats.org/presentationml/2006/main">
+  <p:cSld>
+    <p:spTree>
+      <p:nvGrpSpPr>
+        <p:cNvPr id="1" name=""/>
+        <p:cNvGrpSpPr/>
+        <p:nvPr/>
+      </p:nvGrpSpPr>
+      <p:grpSpPr>
+        <a:xfrm>
+          <a:off x="0" y="0"/>
+          <a:ext cx="0" cy="0"/>
+          <a:chOff x="0" y="0"/>
+          <a:chExt cx="0" cy="0"/>
+        </a:xfrm>
+      </p:grpSpPr>
+      <p:pic>
+        <p:nvPicPr>
+          <p:cNvPr id="5" name="Picture 4">
+            <a:extLst>
+              <a:ext uri="{FF2B5EF4-FFF2-40B4-BE49-F238E27FC236}">
+                <a16:creationId xmlns:a16="http://schemas.microsoft.com/office/drawing/2014/main" id="{FE54B3DC-5B8F-2B46-BA60-FD0DD55EA0F9}"/>
+              </a:ext>
+            </a:extLst>
+          </p:cNvPr>
+          <p:cNvPicPr>
+            <a:picLocks noChangeAspect="1"/>
+          </p:cNvPicPr>
+          <p:nvPr/>
+        </p:nvPicPr>
+        <p:blipFill>
+          <a:blip r:embed="rId2"/>
+          <a:stretch>
+            <a:fillRect/>
+          </a:stretch>
+        </p:blipFill>
+        <p:spPr>
+          <a:xfrm>
+            <a:off x="3490850" y="0"/>
+            <a:ext cx="5210299" cy="6858000"/>
+          </a:xfrm>
+          <a:prstGeom prst="rect">
+            <a:avLst/>
+          </a:prstGeom>
+        </p:spPr>
+      </p:pic>
+    </p:spTree>
+    <p:extLst>
+      <p:ext uri="{BB962C8B-B14F-4D97-AF65-F5344CB8AC3E}">
+        <p14:creationId xmlns:p14="http://schemas.microsoft.com/office/powerpoint/2010/main" val="17668726"/>
+      </p:ext>
+    </p:extLst>
+  </p:cSld>
+  <p:clrMapOvr>
+    <a:masterClrMapping/>
+  </p:clrMapOvr>
+</p:sld>
+</file>
+
+<file path=ppt/slides/slide3.xml><?xml version="1.0" encoding="utf-8"?>
+<p:sld xmlns:a="http://schemas.openxmlformats.org/drawingml/2006/main" xmlns:r="http://schemas.openxmlformats.org/officeDocument/2006/relationships" xmlns:p="http://schemas.openxmlformats.org/presentationml/2006/main">
+  <p:cSld>
+    <p:spTree>
+      <p:nvGrpSpPr>
+        <p:cNvPr id="1" name=""/>
+        <p:cNvGrpSpPr/>
+        <p:nvPr/>
+      </p:nvGrpSpPr>
+      <p:grpSpPr>
+        <a:xfrm>
+          <a:off x="0" y="0"/>
+          <a:ext cx="0" cy="0"/>
+          <a:chOff x="0" y="0"/>
+          <a:chExt cx="0" cy="0"/>
+        </a:xfrm>
+      </p:grpSpPr>
+      <p:pic>
+        <p:nvPicPr>
+          <p:cNvPr id="3" name="Picture 2">
+            <a:extLst>
+              <a:ext uri="{FF2B5EF4-FFF2-40B4-BE49-F238E27FC236}">
+                <a16:creationId xmlns:a16="http://schemas.microsoft.com/office/drawing/2014/main" id="{FB8827BB-67D6-1B48-8261-E87FEBEEBB49}"/>
+              </a:ext>
+            </a:extLst>
+          </p:cNvPr>
+          <p:cNvPicPr>
+            <a:picLocks noChangeAspect="1"/>
+          </p:cNvPicPr>
+          <p:nvPr/>
+        </p:nvPicPr>
+        <p:blipFill>
+          <a:blip r:embed="rId2"/>
+          <a:stretch>
+            <a:fillRect/>
+          </a:stretch>
+        </p:blipFill>
+        <p:spPr>
+          <a:xfrm>
+            <a:off x="3556804" y="0"/>
+            <a:ext cx="5078392" cy="6858000"/>
+          </a:xfrm>
+          <a:prstGeom prst="rect">
+            <a:avLst/>
+          </a:prstGeom>
+        </p:spPr>
+      </p:pic>
+    </p:spTree>
+    <p:extLst>
+      <p:ext uri="{BB962C8B-B14F-4D97-AF65-F5344CB8AC3E}">
+        <p14:creationId xmlns:p14="http://schemas.microsoft.com/office/powerpoint/2010/main" val="2169573535"/>
       </p:ext>
     </p:extLst>
   </p:cSld>
